--- a/First.pptx
+++ b/First.pptx
@@ -36,17 +36,18 @@
     <p:sldId id="351" r:id="rId30"/>
     <p:sldId id="352" r:id="rId31"/>
     <p:sldId id="362" r:id="rId32"/>
-    <p:sldId id="353" r:id="rId33"/>
-    <p:sldId id="354" r:id="rId34"/>
-    <p:sldId id="355" r:id="rId35"/>
-    <p:sldId id="356" r:id="rId36"/>
-    <p:sldId id="357" r:id="rId37"/>
-    <p:sldId id="358" r:id="rId38"/>
-    <p:sldId id="359" r:id="rId39"/>
-    <p:sldId id="360" r:id="rId40"/>
-    <p:sldId id="364" r:id="rId41"/>
-    <p:sldId id="365" r:id="rId42"/>
-    <p:sldId id="363" r:id="rId43"/>
+    <p:sldId id="366" r:id="rId33"/>
+    <p:sldId id="353" r:id="rId34"/>
+    <p:sldId id="354" r:id="rId35"/>
+    <p:sldId id="355" r:id="rId36"/>
+    <p:sldId id="356" r:id="rId37"/>
+    <p:sldId id="357" r:id="rId38"/>
+    <p:sldId id="358" r:id="rId39"/>
+    <p:sldId id="359" r:id="rId40"/>
+    <p:sldId id="360" r:id="rId41"/>
+    <p:sldId id="364" r:id="rId42"/>
+    <p:sldId id="365" r:id="rId43"/>
+    <p:sldId id="363" r:id="rId44"/>
   </p:sldIdLst>
   <p:sldSz cx="12192000" cy="6858000"/>
   <p:notesSz cx="6858000" cy="9144000"/>
@@ -181,6 +182,7 @@
             <p14:sldId id="351"/>
             <p14:sldId id="352"/>
             <p14:sldId id="362"/>
+            <p14:sldId id="366"/>
             <p14:sldId id="353"/>
             <p14:sldId id="354"/>
             <p14:sldId id="355"/>
@@ -432,7 +434,7 @@
           <a:p>
             <a:fld id="{9184DA70-C731-4C70-880D-CCD4705E623C}" type="datetime1">
               <a:rPr lang="en-US" smtClean="0"/>
-              <a:t>3/20/2023</a:t>
+              <a:t>5/25/2023</a:t>
             </a:fld>
             <a:endParaRPr lang="en-US" dirty="0"/>
           </a:p>
@@ -640,7 +642,7 @@
           <a:p>
             <a:fld id="{B612A279-0833-481D-8C56-F67FD0AC6C50}" type="datetime1">
               <a:rPr lang="en-US" smtClean="0"/>
-              <a:t>3/20/2023</a:t>
+              <a:t>5/25/2023</a:t>
             </a:fld>
             <a:endParaRPr lang="en-US" dirty="0"/>
           </a:p>
@@ -896,7 +898,7 @@
           <a:p>
             <a:fld id="{6587DA83-5663-4C9C-B9AA-0B40A3DAFF81}" type="datetime1">
               <a:rPr lang="en-US" smtClean="0"/>
-              <a:t>3/20/2023</a:t>
+              <a:t>5/25/2023</a:t>
             </a:fld>
             <a:endParaRPr lang="en-US" dirty="0"/>
           </a:p>
@@ -1070,7 +1072,7 @@
           <a:p>
             <a:fld id="{4BE1D723-8F53-4F53-90B0-1982A396982E}" type="datetime1">
               <a:rPr lang="en-US" smtClean="0"/>
-              <a:t>3/20/2023</a:t>
+              <a:t>5/25/2023</a:t>
             </a:fld>
             <a:endParaRPr lang="en-US" dirty="0"/>
           </a:p>
@@ -1413,7 +1415,7 @@
           <a:p>
             <a:fld id="{97669AF7-7BEB-44E4-9852-375E34362B5B}" type="datetime1">
               <a:rPr lang="en-US" smtClean="0"/>
-              <a:t>3/20/2023</a:t>
+              <a:t>5/25/2023</a:t>
             </a:fld>
             <a:endParaRPr lang="en-US" dirty="0"/>
           </a:p>
@@ -1688,7 +1690,7 @@
           <a:p>
             <a:fld id="{BAAAC38D-0552-4C82-B593-E6124DFADBE2}" type="datetime1">
               <a:rPr lang="en-US" smtClean="0"/>
-              <a:t>3/20/2023</a:t>
+              <a:t>5/25/2023</a:t>
             </a:fld>
             <a:endParaRPr lang="en-US" dirty="0"/>
           </a:p>
@@ -2067,7 +2069,7 @@
           <a:p>
             <a:fld id="{D9DF0F1C-5577-4ACB-BB62-DF8F3C494C7E}" type="datetime1">
               <a:rPr lang="en-US" smtClean="0"/>
-              <a:t>3/20/2023</a:t>
+              <a:t>5/25/2023</a:t>
             </a:fld>
             <a:endParaRPr lang="en-US" dirty="0"/>
           </a:p>
@@ -2185,7 +2187,7 @@
           <a:p>
             <a:fld id="{1775B394-D9F9-4F0C-B15D-605F45CB9E9F}" type="datetime1">
               <a:rPr lang="en-US" smtClean="0"/>
-              <a:t>3/20/2023</a:t>
+              <a:t>5/25/2023</a:t>
             </a:fld>
             <a:endParaRPr lang="en-US" dirty="0"/>
           </a:p>
@@ -2356,7 +2358,7 @@
           <a:p>
             <a:fld id="{39667345-2558-425A-8533-9BFDBCE15005}" type="datetime1">
               <a:rPr lang="en-US" smtClean="0"/>
-              <a:t>3/20/2023</a:t>
+              <a:t>5/25/2023</a:t>
             </a:fld>
             <a:endParaRPr lang="en-US" dirty="0"/>
           </a:p>
@@ -2710,7 +2712,7 @@
           <a:p>
             <a:fld id="{92BEA474-078D-4E9B-9B14-09A87B19DC46}" type="datetime1">
               <a:rPr lang="en-US" smtClean="0"/>
-              <a:t>3/20/2023</a:t>
+              <a:t>5/25/2023</a:t>
             </a:fld>
             <a:endParaRPr lang="en-US" dirty="0"/>
           </a:p>
@@ -3093,7 +3095,7 @@
           <a:p>
             <a:fld id="{4907D986-8816-4272-A432-0437A28A9828}" type="datetime1">
               <a:rPr lang="en-US" smtClean="0"/>
-              <a:t>3/20/2023</a:t>
+              <a:t>5/25/2023</a:t>
             </a:fld>
             <a:endParaRPr lang="en-US" dirty="0"/>
           </a:p>
@@ -3381,7 +3383,7 @@
           <a:p>
             <a:fld id="{62D6E202-B606-4609-B914-27C9371A1F6D}" type="datetime1">
               <a:rPr lang="en-US" smtClean="0"/>
-              <a:t>3/20/2023</a:t>
+              <a:t>5/25/2023</a:t>
             </a:fld>
             <a:endParaRPr lang="en-US" dirty="0"/>
           </a:p>
@@ -12689,7 +12691,7 @@
         </p:nvSpPr>
         <p:spPr>
           <a:xfrm>
-            <a:off x="1669002" y="353834"/>
+            <a:off x="1677880" y="549143"/>
             <a:ext cx="9925235" cy="4616648"/>
           </a:xfrm>
           <a:prstGeom prst="rect">
@@ -12840,6 +12842,145 @@
 </file>
 
 <file path=ppt/slides/slide32.xml><?xml version="1.0" encoding="utf-8"?>
+<p:sld xmlns:a="http://schemas.openxmlformats.org/drawingml/2006/main" xmlns:r="http://schemas.openxmlformats.org/officeDocument/2006/relationships" xmlns:p="http://schemas.openxmlformats.org/presentationml/2006/main">
+  <p:cSld>
+    <p:spTree>
+      <p:nvGrpSpPr>
+        <p:cNvPr id="1" name=""/>
+        <p:cNvGrpSpPr/>
+        <p:nvPr/>
+      </p:nvGrpSpPr>
+      <p:grpSpPr>
+        <a:xfrm>
+          <a:off x="0" y="0"/>
+          <a:ext cx="0" cy="0"/>
+          <a:chOff x="0" y="0"/>
+          <a:chExt cx="0" cy="0"/>
+        </a:xfrm>
+      </p:grpSpPr>
+      <p:sp>
+        <p:nvSpPr>
+          <p:cNvPr id="2" name="TextBox 1">
+            <a:extLst>
+              <a:ext uri="{FF2B5EF4-FFF2-40B4-BE49-F238E27FC236}">
+                <a16:creationId xmlns:a16="http://schemas.microsoft.com/office/drawing/2014/main" id="{749CA6E3-1822-DE44-7437-74AE08D9E818}"/>
+              </a:ext>
+            </a:extLst>
+          </p:cNvPr>
+          <p:cNvSpPr txBox="1"/>
+          <p:nvPr/>
+        </p:nvSpPr>
+        <p:spPr>
+          <a:xfrm>
+            <a:off x="905522" y="470517"/>
+            <a:ext cx="10404629" cy="3970318"/>
+          </a:xfrm>
+          <a:prstGeom prst="rect">
+            <a:avLst/>
+          </a:prstGeom>
+          <a:noFill/>
+        </p:spPr>
+        <p:txBody>
+          <a:bodyPr wrap="square" rtlCol="0">
+            <a:spAutoFit/>
+          </a:bodyPr>
+          <a:lstStyle/>
+          <a:p>
+            <a:r>
+              <a:rPr lang="en-US" sz="2400" u="sng" dirty="0"/>
+              <a:t>TASK-2</a:t>
+            </a:r>
+          </a:p>
+          <a:p>
+            <a:endParaRPr lang="en-US" sz="2400" dirty="0"/>
+          </a:p>
+          <a:p>
+            <a:pPr marL="285750" indent="-285750">
+              <a:buFont typeface="Wingdings" panose="05000000000000000000" pitchFamily="2" charset="2"/>
+              <a:buChar char="Ø"/>
+            </a:pPr>
+            <a:r>
+              <a:rPr lang="en-US" sz="2400" dirty="0"/>
+              <a:t> </a:t>
+            </a:r>
+            <a:r>
+              <a:rPr lang="en-US" sz="2000" dirty="0"/>
+              <a:t>Create an Image gallery of 6 images by considering the following CSS properties:</a:t>
+            </a:r>
+          </a:p>
+          <a:p>
+            <a:endParaRPr lang="en-US" sz="2000" dirty="0"/>
+          </a:p>
+          <a:p>
+            <a:pPr marL="342900" indent="-342900">
+              <a:buAutoNum type="arabicParenR"/>
+            </a:pPr>
+            <a:r>
+              <a:rPr lang="en-US" sz="2000" dirty="0"/>
+              <a:t>Set a 3px, solid and red border around the images.</a:t>
+            </a:r>
+          </a:p>
+          <a:p>
+            <a:pPr marL="342900" indent="-342900">
+              <a:buAutoNum type="arabicParenR"/>
+            </a:pPr>
+            <a:r>
+              <a:rPr lang="en-US" sz="2000" dirty="0"/>
+              <a:t> Apply top left border radius of 40px, top right border radius of 70px, bottom right border radius of 50px and bottom left border radius of 90px to all the images.</a:t>
+            </a:r>
+          </a:p>
+          <a:p>
+            <a:pPr marL="342900" indent="-342900">
+              <a:buAutoNum type="arabicParenR"/>
+            </a:pPr>
+            <a:r>
+              <a:rPr lang="en-US" sz="2000" dirty="0"/>
+              <a:t> The height and width of all images should be 300px and 400pxrespectively.</a:t>
+            </a:r>
+          </a:p>
+          <a:p>
+            <a:pPr marL="342900" indent="-342900">
+              <a:buAutoNum type="arabicParenR" startAt="4"/>
+            </a:pPr>
+            <a:r>
+              <a:rPr lang="en-US" sz="2000" dirty="0"/>
+              <a:t>Apply a transparency effect of 0.7 to all the images.</a:t>
+            </a:r>
+          </a:p>
+          <a:p>
+            <a:pPr marL="342900" indent="-342900">
+              <a:buAutoNum type="arabicParenR" startAt="4"/>
+            </a:pPr>
+            <a:r>
+              <a:rPr lang="en-US" sz="2000" dirty="0"/>
+              <a:t> Margin around images should be of 10px.</a:t>
+            </a:r>
+          </a:p>
+          <a:p>
+            <a:pPr marL="342900" indent="-342900">
+              <a:buAutoNum type="arabicParenR" startAt="4"/>
+            </a:pPr>
+            <a:r>
+              <a:rPr lang="en-US" sz="2000" dirty="0"/>
+              <a:t> Apply horizontal box shadow of 12px, vertical box shadow of 16px, blur effect of 18px and color of box shadow blue.</a:t>
+            </a:r>
+          </a:p>
+        </p:txBody>
+      </p:sp>
+    </p:spTree>
+    <p:extLst>
+      <p:ext uri="{BB962C8B-B14F-4D97-AF65-F5344CB8AC3E}">
+        <p14:creationId xmlns:p14="http://schemas.microsoft.com/office/powerpoint/2010/main" val="3041016920"/>
+      </p:ext>
+    </p:extLst>
+  </p:cSld>
+  <p:clrMapOvr>
+    <a:masterClrMapping/>
+  </p:clrMapOvr>
+</p:sld>
+</file>
+
+<file path=ppt/slides/slide33.xml><?xml version="1.0" encoding="utf-8"?>
 <p:sld xmlns:a="http://schemas.openxmlformats.org/drawingml/2006/main" xmlns:r="http://schemas.openxmlformats.org/officeDocument/2006/relationships" xmlns:p="http://schemas.openxmlformats.org/presentationml/2006/main">
   <p:cSld>
     <p:spTree>
@@ -13222,7 +13363,7 @@
 </p:sld>
 </file>
 
-<file path=ppt/slides/slide33.xml><?xml version="1.0" encoding="utf-8"?>
+<file path=ppt/slides/slide34.xml><?xml version="1.0" encoding="utf-8"?>
 <p:sld xmlns:a="http://schemas.openxmlformats.org/drawingml/2006/main" xmlns:r="http://schemas.openxmlformats.org/officeDocument/2006/relationships" xmlns:p="http://schemas.openxmlformats.org/presentationml/2006/main">
   <p:cSld>
     <p:spTree>
@@ -13709,7 +13850,7 @@
 </p:sld>
 </file>
 
-<file path=ppt/slides/slide34.xml><?xml version="1.0" encoding="utf-8"?>
+<file path=ppt/slides/slide35.xml><?xml version="1.0" encoding="utf-8"?>
 <p:sld xmlns:a="http://schemas.openxmlformats.org/drawingml/2006/main" xmlns:r="http://schemas.openxmlformats.org/officeDocument/2006/relationships" xmlns:p="http://schemas.openxmlformats.org/presentationml/2006/main">
   <p:cSld>
     <p:spTree>
@@ -14066,7 +14207,7 @@
 </p:sld>
 </file>
 
-<file path=ppt/slides/slide35.xml><?xml version="1.0" encoding="utf-8"?>
+<file path=ppt/slides/slide36.xml><?xml version="1.0" encoding="utf-8"?>
 <p:sld xmlns:a="http://schemas.openxmlformats.org/drawingml/2006/main" xmlns:r="http://schemas.openxmlformats.org/officeDocument/2006/relationships" xmlns:p="http://schemas.openxmlformats.org/presentationml/2006/main">
   <p:cSld>
     <p:spTree>
@@ -14368,340 +14509,6 @@
     <p:extLst>
       <p:ext uri="{BB962C8B-B14F-4D97-AF65-F5344CB8AC3E}">
         <p14:creationId xmlns:p14="http://schemas.microsoft.com/office/powerpoint/2010/main" val="1978241463"/>
-      </p:ext>
-    </p:extLst>
-  </p:cSld>
-  <p:clrMapOvr>
-    <a:masterClrMapping/>
-  </p:clrMapOvr>
-</p:sld>
-</file>
-
-<file path=ppt/slides/slide36.xml><?xml version="1.0" encoding="utf-8"?>
-<p:sld xmlns:a="http://schemas.openxmlformats.org/drawingml/2006/main" xmlns:r="http://schemas.openxmlformats.org/officeDocument/2006/relationships" xmlns:p="http://schemas.openxmlformats.org/presentationml/2006/main">
-  <p:cSld>
-    <p:spTree>
-      <p:nvGrpSpPr>
-        <p:cNvPr id="1" name=""/>
-        <p:cNvGrpSpPr/>
-        <p:nvPr/>
-      </p:nvGrpSpPr>
-      <p:grpSpPr>
-        <a:xfrm>
-          <a:off x="0" y="0"/>
-          <a:ext cx="0" cy="0"/>
-          <a:chOff x="0" y="0"/>
-          <a:chExt cx="0" cy="0"/>
-        </a:xfrm>
-      </p:grpSpPr>
-      <p:sp>
-        <p:nvSpPr>
-          <p:cNvPr id="4" name="TextBox 3">
-            <a:extLst>
-              <a:ext uri="{FF2B5EF4-FFF2-40B4-BE49-F238E27FC236}">
-                <a16:creationId xmlns:a16="http://schemas.microsoft.com/office/drawing/2014/main" id="{D07E6AFA-36A3-50C0-F7A0-CFC2AEC3F8A0}"/>
-              </a:ext>
-            </a:extLst>
-          </p:cNvPr>
-          <p:cNvSpPr txBox="1"/>
-          <p:nvPr/>
-        </p:nvSpPr>
-        <p:spPr>
-          <a:xfrm>
-            <a:off x="1606858" y="355107"/>
-            <a:ext cx="10351363" cy="6186309"/>
-          </a:xfrm>
-          <a:prstGeom prst="rect">
-            <a:avLst/>
-          </a:prstGeom>
-          <a:noFill/>
-        </p:spPr>
-        <p:txBody>
-          <a:bodyPr wrap="square" rtlCol="0">
-            <a:spAutoFit/>
-          </a:bodyPr>
-          <a:lstStyle/>
-          <a:p>
-            <a:pPr algn="just"/>
-            <a:r>
-              <a:rPr lang="en-US" b="0" i="0" dirty="0">
-                <a:solidFill>
-                  <a:srgbClr val="000000"/>
-                </a:solidFill>
-                <a:effectLst/>
-                <a:latin typeface="inter-regular"/>
-              </a:rPr>
-              <a:t>2.</a:t>
-            </a:r>
-            <a:r>
-              <a:rPr lang="en-US" b="0" i="0" dirty="0">
-                <a:solidFill>
-                  <a:srgbClr val="333333"/>
-                </a:solidFill>
-                <a:effectLst/>
-                <a:latin typeface="inter-regular"/>
-              </a:rPr>
-              <a:t> </a:t>
-            </a:r>
-            <a:r>
-              <a:rPr lang="en-US" b="0" i="0" u="sng" dirty="0">
-                <a:solidFill>
-                  <a:srgbClr val="333333"/>
-                </a:solidFill>
-                <a:effectLst/>
-                <a:latin typeface="inter-regular"/>
-              </a:rPr>
-              <a:t>CSS font family </a:t>
-            </a:r>
-          </a:p>
-          <a:p>
-            <a:pPr algn="just"/>
-            <a:r>
-              <a:rPr lang="en-US" dirty="0">
-                <a:solidFill>
-                  <a:srgbClr val="333333"/>
-                </a:solidFill>
-                <a:latin typeface="inter-regular"/>
-              </a:rPr>
-              <a:t>It </a:t>
-            </a:r>
-            <a:r>
-              <a:rPr lang="en-US" b="0" i="0" dirty="0">
-                <a:solidFill>
-                  <a:srgbClr val="333333"/>
-                </a:solidFill>
-                <a:effectLst/>
-                <a:latin typeface="inter-regular"/>
-              </a:rPr>
-              <a:t>can be divided in two types:</a:t>
-            </a:r>
-          </a:p>
-          <a:p>
-            <a:pPr algn="just">
-              <a:buFont typeface="Arial" panose="020B0604020202020204" pitchFamily="34" charset="0"/>
-              <a:buChar char="•"/>
-            </a:pPr>
-            <a:r>
-              <a:rPr lang="en-US" b="0" i="0" dirty="0">
-                <a:solidFill>
-                  <a:srgbClr val="000000"/>
-                </a:solidFill>
-                <a:effectLst/>
-                <a:latin typeface="inter-regular"/>
-              </a:rPr>
-              <a:t>Generic family: It includes Serif, Sans-serif, and Monospace.</a:t>
-            </a:r>
-          </a:p>
-          <a:p>
-            <a:pPr algn="just">
-              <a:buFont typeface="Arial" panose="020B0604020202020204" pitchFamily="34" charset="0"/>
-              <a:buChar char="•"/>
-            </a:pPr>
-            <a:r>
-              <a:rPr lang="en-US" b="0" i="0" dirty="0">
-                <a:solidFill>
-                  <a:srgbClr val="000000"/>
-                </a:solidFill>
-                <a:effectLst/>
-                <a:latin typeface="inter-regular"/>
-              </a:rPr>
-              <a:t>Font family: It specifies the font family name like Arial, New Times Roman etc.</a:t>
-            </a:r>
-          </a:p>
-          <a:p>
-            <a:r>
-              <a:rPr lang="en-US" b="0" i="0" dirty="0">
-                <a:solidFill>
-                  <a:srgbClr val="000000"/>
-                </a:solidFill>
-                <a:effectLst/>
-                <a:latin typeface="inter-regular"/>
-              </a:rPr>
-              <a:t>Example:                  </a:t>
-            </a:r>
-            <a:r>
-              <a:rPr lang="en-IN" i="0" dirty="0">
-                <a:effectLst/>
-                <a:latin typeface="inter-regular"/>
-              </a:rPr>
-              <a:t>&lt;!DOCTYPE html&gt;  </a:t>
-            </a:r>
-          </a:p>
-          <a:p>
-            <a:pPr lvl="4" algn="just"/>
-            <a:r>
-              <a:rPr lang="en-IN" i="0" dirty="0">
-                <a:effectLst/>
-                <a:latin typeface="inter-regular"/>
-              </a:rPr>
-              <a:t>&lt;html&gt;  </a:t>
-            </a:r>
-          </a:p>
-          <a:p>
-            <a:pPr lvl="4" algn="just"/>
-            <a:r>
-              <a:rPr lang="en-IN" i="0" dirty="0">
-                <a:effectLst/>
-                <a:latin typeface="inter-regular"/>
-              </a:rPr>
-              <a:t>&lt;head&gt;  &lt;style&gt;  </a:t>
-            </a:r>
-          </a:p>
-          <a:p>
-            <a:pPr lvl="4" algn="just"/>
-            <a:r>
-              <a:rPr lang="en-IN" i="0" dirty="0">
-                <a:effectLst/>
-                <a:latin typeface="inter-regular"/>
-              </a:rPr>
-              <a:t>body {  </a:t>
-            </a:r>
-          </a:p>
-          <a:p>
-            <a:pPr lvl="4" algn="just"/>
-            <a:r>
-              <a:rPr lang="en-IN" i="0" dirty="0">
-                <a:effectLst/>
-                <a:latin typeface="inter-regular"/>
-              </a:rPr>
-              <a:t>font-size: 100%;  </a:t>
-            </a:r>
-          </a:p>
-          <a:p>
-            <a:pPr lvl="4" algn="just"/>
-            <a:r>
-              <a:rPr lang="en-IN" i="0" dirty="0">
-                <a:effectLst/>
-                <a:latin typeface="inter-regular"/>
-              </a:rPr>
-              <a:t>}  </a:t>
-            </a:r>
-          </a:p>
-          <a:p>
-            <a:pPr lvl="4" algn="just"/>
-            <a:r>
-              <a:rPr lang="en-IN" i="0" dirty="0">
-                <a:effectLst/>
-                <a:latin typeface="inter-regular"/>
-              </a:rPr>
-              <a:t>h1 { font-family: sans-serif; }  </a:t>
-            </a:r>
-          </a:p>
-          <a:p>
-            <a:pPr lvl="4" algn="just"/>
-            <a:r>
-              <a:rPr lang="en-IN" i="0" dirty="0">
-                <a:effectLst/>
-                <a:latin typeface="inter-regular"/>
-              </a:rPr>
-              <a:t>h2 { font-family: serif; }   </a:t>
-            </a:r>
-          </a:p>
-          <a:p>
-            <a:pPr lvl="4" algn="just"/>
-            <a:r>
-              <a:rPr lang="en-IN" i="0" dirty="0">
-                <a:effectLst/>
-                <a:latin typeface="inter-regular"/>
-              </a:rPr>
-              <a:t>p { font-family: monospace; }   </a:t>
-            </a:r>
-          </a:p>
-          <a:p>
-            <a:pPr lvl="4" algn="just"/>
-            <a:r>
-              <a:rPr lang="en-IN" i="0" dirty="0">
-                <a:effectLst/>
-                <a:latin typeface="inter-regular"/>
-              </a:rPr>
-              <a:t>}  </a:t>
-            </a:r>
-          </a:p>
-          <a:p>
-            <a:pPr lvl="4" algn="just"/>
-            <a:r>
-              <a:rPr lang="en-IN" i="0" dirty="0">
-                <a:effectLst/>
-                <a:latin typeface="inter-regular"/>
-              </a:rPr>
-              <a:t>&lt;/style&gt;  &lt;/head&gt;  </a:t>
-            </a:r>
-          </a:p>
-          <a:p>
-            <a:pPr lvl="4" algn="just"/>
-            <a:r>
-              <a:rPr lang="en-IN" i="0" dirty="0">
-                <a:effectLst/>
-                <a:latin typeface="inter-regular"/>
-              </a:rPr>
-              <a:t>&lt;body&gt;  </a:t>
-            </a:r>
-          </a:p>
-          <a:p>
-            <a:pPr lvl="4" algn="just"/>
-            <a:r>
-              <a:rPr lang="en-IN" i="0" dirty="0">
-                <a:effectLst/>
-                <a:latin typeface="inter-regular"/>
-              </a:rPr>
-              <a:t>&lt;h1&gt;This heading is shown in sans-serif.&lt;/h1&gt;  </a:t>
-            </a:r>
-          </a:p>
-          <a:p>
-            <a:pPr lvl="4" algn="just"/>
-            <a:r>
-              <a:rPr lang="en-IN" i="0" dirty="0">
-                <a:effectLst/>
-                <a:latin typeface="inter-regular"/>
-              </a:rPr>
-              <a:t>&lt;h2&gt;This heading is shown in serif.&lt;/h2&gt;  </a:t>
-            </a:r>
-          </a:p>
-          <a:p>
-            <a:pPr lvl="4" algn="just"/>
-            <a:r>
-              <a:rPr lang="en-IN" i="0" dirty="0">
-                <a:effectLst/>
-                <a:latin typeface="inter-regular"/>
-              </a:rPr>
-              <a:t>&lt;p&gt;This paragraph is written in monospace.&lt;/p&gt;  </a:t>
-            </a:r>
-          </a:p>
-          <a:p>
-            <a:pPr lvl="4" algn="just"/>
-            <a:r>
-              <a:rPr lang="en-IN" i="0" dirty="0">
-                <a:effectLst/>
-                <a:latin typeface="inter-regular"/>
-              </a:rPr>
-              <a:t>&lt;/body&gt;  </a:t>
-            </a:r>
-          </a:p>
-          <a:p>
-            <a:pPr lvl="4" algn="just"/>
-            <a:r>
-              <a:rPr lang="en-IN" i="0" dirty="0">
-                <a:effectLst/>
-                <a:latin typeface="inter-regular"/>
-              </a:rPr>
-              <a:t>&lt;/html&gt;  </a:t>
-            </a:r>
-          </a:p>
-          <a:p>
-            <a:endParaRPr lang="en-US" b="0" i="0" dirty="0">
-              <a:solidFill>
-                <a:srgbClr val="000000"/>
-              </a:solidFill>
-              <a:effectLst/>
-              <a:latin typeface="inter-regular"/>
-            </a:endParaRPr>
-          </a:p>
-        </p:txBody>
-      </p:sp>
-    </p:spTree>
-    <p:extLst>
-      <p:ext uri="{BB962C8B-B14F-4D97-AF65-F5344CB8AC3E}">
-        <p14:creationId xmlns:p14="http://schemas.microsoft.com/office/powerpoint/2010/main" val="798618568"/>
       </p:ext>
     </p:extLst>
   </p:cSld>
@@ -14758,370 +14565,270 @@
           <a:p>
             <a:pPr algn="just"/>
             <a:r>
+              <a:rPr lang="en-US" b="0" i="0" dirty="0">
+                <a:solidFill>
+                  <a:srgbClr val="000000"/>
+                </a:solidFill>
+                <a:effectLst/>
+                <a:latin typeface="inter-regular"/>
+              </a:rPr>
+              <a:t>2.</a:t>
+            </a:r>
+            <a:r>
+              <a:rPr lang="en-US" b="0" i="0" dirty="0">
+                <a:solidFill>
+                  <a:srgbClr val="333333"/>
+                </a:solidFill>
+                <a:effectLst/>
+                <a:latin typeface="inter-regular"/>
+              </a:rPr>
+              <a:t> </a:t>
+            </a:r>
+            <a:r>
+              <a:rPr lang="en-US" b="0" i="0" u="sng" dirty="0">
+                <a:solidFill>
+                  <a:srgbClr val="333333"/>
+                </a:solidFill>
+                <a:effectLst/>
+                <a:latin typeface="inter-regular"/>
+              </a:rPr>
+              <a:t>CSS font family </a:t>
+            </a:r>
+          </a:p>
+          <a:p>
+            <a:pPr algn="just"/>
+            <a:r>
               <a:rPr lang="en-US" dirty="0">
                 <a:solidFill>
-                  <a:srgbClr val="000000"/>
+                  <a:srgbClr val="333333"/>
                 </a:solidFill>
                 <a:latin typeface="inter-regular"/>
               </a:rPr>
-              <a:t>3. </a:t>
-            </a:r>
-            <a:r>
-              <a:rPr lang="en-US" b="0" i="0" u="sng" dirty="0">
+              <a:t>It </a:t>
+            </a:r>
+            <a:r>
+              <a:rPr lang="en-US" b="0" i="0" dirty="0">
                 <a:solidFill>
                   <a:srgbClr val="333333"/>
                 </a:solidFill>
                 <a:effectLst/>
                 <a:latin typeface="inter-regular"/>
               </a:rPr>
-              <a:t>CSS font size </a:t>
-            </a:r>
-          </a:p>
-          <a:p>
-            <a:pPr marL="285750" indent="-285750" algn="just">
-              <a:buFont typeface="Wingdings" panose="05000000000000000000" pitchFamily="2" charset="2"/>
-              <a:buChar char="Ø"/>
+              <a:t>can be divided in two types:</a:t>
+            </a:r>
+          </a:p>
+          <a:p>
+            <a:pPr algn="just">
+              <a:buFont typeface="Arial" panose="020B0604020202020204" pitchFamily="34" charset="0"/>
+              <a:buChar char="•"/>
             </a:pPr>
             <a:r>
-              <a:rPr lang="en-US" dirty="0">
-                <a:solidFill>
-                  <a:srgbClr val="333333"/>
-                </a:solidFill>
+              <a:rPr lang="en-US" b="0" i="0" dirty="0">
+                <a:solidFill>
+                  <a:srgbClr val="000000"/>
+                </a:solidFill>
+                <a:effectLst/>
                 <a:latin typeface="inter-regular"/>
               </a:rPr>
-              <a:t>This </a:t>
-            </a:r>
+              <a:t>Generic family: It includes Serif, Sans-serif, and Monospace.</a:t>
+            </a:r>
+          </a:p>
+          <a:p>
+            <a:pPr algn="just">
+              <a:buFont typeface="Arial" panose="020B0604020202020204" pitchFamily="34" charset="0"/>
+              <a:buChar char="•"/>
+            </a:pPr>
             <a:r>
               <a:rPr lang="en-US" b="0" i="0" dirty="0">
                 <a:solidFill>
-                  <a:srgbClr val="333333"/>
+                  <a:srgbClr val="000000"/>
                 </a:solidFill>
                 <a:effectLst/>
                 <a:latin typeface="inter-regular"/>
               </a:rPr>
-              <a:t>property is used to change the size of the font.</a:t>
-            </a:r>
-          </a:p>
-          <a:p>
-            <a:pPr algn="just"/>
-            <a:r>
-              <a:rPr lang="en-US" dirty="0">
-                <a:solidFill>
-                  <a:srgbClr val="333333"/>
-                </a:solidFill>
+              <a:t>Font family: It specifies the font family name like Arial, New Times Roman etc.</a:t>
+            </a:r>
+          </a:p>
+          <a:p>
+            <a:r>
+              <a:rPr lang="en-US" b="0" i="0" dirty="0">
+                <a:solidFill>
+                  <a:srgbClr val="000000"/>
+                </a:solidFill>
+                <a:effectLst/>
                 <a:latin typeface="inter-regular"/>
               </a:rPr>
-              <a:t>Example:</a:t>
-            </a:r>
-          </a:p>
-          <a:p>
-            <a:pPr lvl="2" algn="just"/>
+              <a:t>Example:                  </a:t>
+            </a:r>
             <a:r>
               <a:rPr lang="en-IN" i="0" dirty="0">
                 <a:effectLst/>
                 <a:latin typeface="inter-regular"/>
               </a:rPr>
+              <a:t>&lt;!DOCTYPE html&gt;  </a:t>
+            </a:r>
+          </a:p>
+          <a:p>
+            <a:pPr lvl="4" algn="just"/>
+            <a:r>
+              <a:rPr lang="en-IN" i="0" dirty="0">
+                <a:effectLst/>
+                <a:latin typeface="inter-regular"/>
+              </a:rPr>
               <a:t>&lt;html&gt;  </a:t>
             </a:r>
           </a:p>
           <a:p>
-            <a:pPr lvl="2" algn="just"/>
+            <a:pPr lvl="4" algn="just"/>
             <a:r>
               <a:rPr lang="en-IN" i="0" dirty="0">
                 <a:effectLst/>
                 <a:latin typeface="inter-regular"/>
               </a:rPr>
-              <a:t>&lt;head&gt;  </a:t>
-            </a:r>
-          </a:p>
-          <a:p>
-            <a:pPr lvl="2" algn="just"/>
+              <a:t>&lt;head&gt;  &lt;style&gt;  </a:t>
+            </a:r>
+          </a:p>
+          <a:p>
+            <a:pPr lvl="4" algn="just"/>
             <a:r>
               <a:rPr lang="en-IN" i="0" dirty="0">
                 <a:effectLst/>
                 <a:latin typeface="inter-regular"/>
               </a:rPr>
-              <a:t>&lt;title&gt;Practice CSS font-size property&lt;/title&gt;  </a:t>
-            </a:r>
-          </a:p>
-          <a:p>
-            <a:pPr lvl="2" algn="just"/>
+              <a:t>body {  </a:t>
+            </a:r>
+          </a:p>
+          <a:p>
+            <a:pPr lvl="4" algn="just"/>
             <a:r>
               <a:rPr lang="en-IN" i="0" dirty="0">
                 <a:effectLst/>
                 <a:latin typeface="inter-regular"/>
               </a:rPr>
-              <a:t>&lt;/head&gt;  </a:t>
-            </a:r>
-          </a:p>
-          <a:p>
-            <a:pPr lvl="2" algn="just"/>
+              <a:t>font-size: 100%;  </a:t>
+            </a:r>
+          </a:p>
+          <a:p>
+            <a:pPr lvl="4" algn="just"/>
             <a:r>
               <a:rPr lang="en-IN" i="0" dirty="0">
                 <a:effectLst/>
                 <a:latin typeface="inter-regular"/>
               </a:rPr>
+              <a:t>}  </a:t>
+            </a:r>
+          </a:p>
+          <a:p>
+            <a:pPr lvl="4" algn="just"/>
+            <a:r>
+              <a:rPr lang="en-IN" i="0" dirty="0">
+                <a:effectLst/>
+                <a:latin typeface="inter-regular"/>
+              </a:rPr>
+              <a:t>h1 { font-family: sans-serif; }  </a:t>
+            </a:r>
+          </a:p>
+          <a:p>
+            <a:pPr lvl="4" algn="just"/>
+            <a:r>
+              <a:rPr lang="en-IN" i="0" dirty="0">
+                <a:effectLst/>
+                <a:latin typeface="inter-regular"/>
+              </a:rPr>
+              <a:t>h2 { font-family: serif; }   </a:t>
+            </a:r>
+          </a:p>
+          <a:p>
+            <a:pPr lvl="4" algn="just"/>
+            <a:r>
+              <a:rPr lang="en-IN" i="0" dirty="0">
+                <a:effectLst/>
+                <a:latin typeface="inter-regular"/>
+              </a:rPr>
+              <a:t>p { font-family: monospace; }   </a:t>
+            </a:r>
+          </a:p>
+          <a:p>
+            <a:pPr lvl="4" algn="just"/>
+            <a:r>
+              <a:rPr lang="en-IN" i="0" dirty="0">
+                <a:effectLst/>
+                <a:latin typeface="inter-regular"/>
+              </a:rPr>
+              <a:t>}  </a:t>
+            </a:r>
+          </a:p>
+          <a:p>
+            <a:pPr lvl="4" algn="just"/>
+            <a:r>
+              <a:rPr lang="en-IN" i="0" dirty="0">
+                <a:effectLst/>
+                <a:latin typeface="inter-regular"/>
+              </a:rPr>
+              <a:t>&lt;/style&gt;  &lt;/head&gt;  </a:t>
+            </a:r>
+          </a:p>
+          <a:p>
+            <a:pPr lvl="4" algn="just"/>
+            <a:r>
+              <a:rPr lang="en-IN" i="0" dirty="0">
+                <a:effectLst/>
+                <a:latin typeface="inter-regular"/>
+              </a:rPr>
               <a:t>&lt;body&gt;  </a:t>
             </a:r>
           </a:p>
           <a:p>
-            <a:pPr lvl="2" algn="just"/>
+            <a:pPr lvl="4" algn="just"/>
             <a:r>
               <a:rPr lang="en-IN" i="0" dirty="0">
                 <a:effectLst/>
                 <a:latin typeface="inter-regular"/>
               </a:rPr>
-              <a:t>&lt;p style="</a:t>
-            </a:r>
-            <a:r>
-              <a:rPr lang="en-IN" i="0" dirty="0" err="1">
+              <a:t>&lt;h1&gt;This heading is shown in sans-serif.&lt;/h1&gt;  </a:t>
+            </a:r>
+          </a:p>
+          <a:p>
+            <a:pPr lvl="4" algn="just"/>
+            <a:r>
+              <a:rPr lang="en-IN" i="0" dirty="0">
                 <a:effectLst/>
                 <a:latin typeface="inter-regular"/>
               </a:rPr>
-              <a:t>font-size:xx-small</a:t>
-            </a:r>
+              <a:t>&lt;h2&gt;This heading is shown in serif.&lt;/h2&gt;  </a:t>
+            </a:r>
+          </a:p>
+          <a:p>
+            <a:pPr lvl="4" algn="just"/>
             <a:r>
               <a:rPr lang="en-IN" i="0" dirty="0">
                 <a:effectLst/>
                 <a:latin typeface="inter-regular"/>
               </a:rPr>
-              <a:t>;"&gt;  This font size is extremely small.&lt;/p&gt;    </a:t>
-            </a:r>
-          </a:p>
-          <a:p>
-            <a:pPr lvl="2" algn="just"/>
+              <a:t>&lt;p&gt;This paragraph is written in monospace.&lt;/p&gt;  </a:t>
+            </a:r>
+          </a:p>
+          <a:p>
+            <a:pPr lvl="4" algn="just"/>
             <a:r>
               <a:rPr lang="en-IN" i="0" dirty="0">
                 <a:effectLst/>
                 <a:latin typeface="inter-regular"/>
               </a:rPr>
-              <a:t>&lt;p style="</a:t>
-            </a:r>
-            <a:r>
-              <a:rPr lang="en-IN" i="0" dirty="0" err="1">
+              <a:t>&lt;/body&gt;  </a:t>
+            </a:r>
+          </a:p>
+          <a:p>
+            <a:pPr lvl="4" algn="just"/>
+            <a:r>
+              <a:rPr lang="en-IN" i="0" dirty="0">
                 <a:effectLst/>
                 <a:latin typeface="inter-regular"/>
               </a:rPr>
-              <a:t>font-size:x-small</a:t>
-            </a:r>
-            <a:r>
-              <a:rPr lang="en-IN" i="0" dirty="0">
-                <a:effectLst/>
-                <a:latin typeface="inter-regular"/>
-              </a:rPr>
-              <a:t>;"&gt;  This font size is extra small&lt;/p&gt;    </a:t>
-            </a:r>
-          </a:p>
-          <a:p>
-            <a:pPr lvl="2" algn="just"/>
-            <a:r>
-              <a:rPr lang="en-IN" i="0" dirty="0">
-                <a:effectLst/>
-                <a:latin typeface="inter-regular"/>
-              </a:rPr>
-              <a:t>&lt;p style="</a:t>
-            </a:r>
-            <a:r>
-              <a:rPr lang="en-IN" i="0" dirty="0" err="1">
-                <a:effectLst/>
-                <a:latin typeface="inter-regular"/>
-              </a:rPr>
-              <a:t>font-size:small</a:t>
-            </a:r>
-            <a:r>
-              <a:rPr lang="en-IN" i="0" dirty="0">
-                <a:effectLst/>
-                <a:latin typeface="inter-regular"/>
-              </a:rPr>
-              <a:t>;"&gt;  This font size is small&lt;/p&gt;    </a:t>
-            </a:r>
-          </a:p>
-          <a:p>
-            <a:pPr lvl="2" algn="just"/>
-            <a:r>
-              <a:rPr lang="en-IN" i="0" dirty="0">
-                <a:effectLst/>
-                <a:latin typeface="inter-regular"/>
-              </a:rPr>
-              <a:t>&lt;p style="</a:t>
-            </a:r>
-            <a:r>
-              <a:rPr lang="en-IN" i="0" dirty="0" err="1">
-                <a:effectLst/>
-                <a:latin typeface="inter-regular"/>
-              </a:rPr>
-              <a:t>font-size:medium</a:t>
-            </a:r>
-            <a:r>
-              <a:rPr lang="en-IN" i="0" dirty="0">
-                <a:effectLst/>
-                <a:latin typeface="inter-regular"/>
-              </a:rPr>
-              <a:t>;"&gt;  This font size is medium. &lt;/p&gt;    </a:t>
-            </a:r>
-          </a:p>
-          <a:p>
-            <a:pPr lvl="2" algn="just"/>
-            <a:r>
-              <a:rPr lang="en-IN" i="0" dirty="0">
-                <a:effectLst/>
-                <a:latin typeface="inter-regular"/>
-              </a:rPr>
-              <a:t>&lt;p style="</a:t>
-            </a:r>
-            <a:r>
-              <a:rPr lang="en-IN" i="0" dirty="0" err="1">
-                <a:effectLst/>
-                <a:latin typeface="inter-regular"/>
-              </a:rPr>
-              <a:t>font-size:large</a:t>
-            </a:r>
-            <a:r>
-              <a:rPr lang="en-IN" i="0" dirty="0">
-                <a:effectLst/>
-                <a:latin typeface="inter-regular"/>
-              </a:rPr>
-              <a:t>;"&gt;  This font size is large. &lt;/p&gt;    </a:t>
-            </a:r>
-          </a:p>
-          <a:p>
-            <a:pPr lvl="2" algn="just"/>
-            <a:r>
-              <a:rPr lang="en-IN" i="0" dirty="0">
-                <a:effectLst/>
-                <a:latin typeface="inter-regular"/>
-              </a:rPr>
-              <a:t>&lt;p style="</a:t>
-            </a:r>
-            <a:r>
-              <a:rPr lang="en-IN" i="0" dirty="0" err="1">
-                <a:effectLst/>
-                <a:latin typeface="inter-regular"/>
-              </a:rPr>
-              <a:t>font-size:x-large</a:t>
-            </a:r>
-            <a:r>
-              <a:rPr lang="en-IN" i="0" dirty="0">
-                <a:effectLst/>
-                <a:latin typeface="inter-regular"/>
-              </a:rPr>
-              <a:t>;"&gt;  This font size is extra large. &lt;/p&gt;    </a:t>
-            </a:r>
-          </a:p>
-          <a:p>
-            <a:pPr lvl="2" algn="just"/>
-            <a:r>
-              <a:rPr lang="en-IN" i="0" dirty="0">
-                <a:effectLst/>
-                <a:latin typeface="inter-regular"/>
-              </a:rPr>
-              <a:t>&lt;p style="</a:t>
-            </a:r>
-            <a:r>
-              <a:rPr lang="en-IN" i="0" dirty="0" err="1">
-                <a:effectLst/>
-                <a:latin typeface="inter-regular"/>
-              </a:rPr>
-              <a:t>font-size:xx-large</a:t>
-            </a:r>
-            <a:r>
-              <a:rPr lang="en-IN" i="0" dirty="0">
-                <a:effectLst/>
-                <a:latin typeface="inter-regular"/>
-              </a:rPr>
-              <a:t>;"&gt;  This font size is extremely large. &lt;/p&gt;    </a:t>
-            </a:r>
-          </a:p>
-          <a:p>
-            <a:pPr lvl="2" algn="just"/>
-            <a:r>
-              <a:rPr lang="en-IN" i="0" dirty="0">
-                <a:effectLst/>
-                <a:latin typeface="inter-regular"/>
-              </a:rPr>
-              <a:t>&lt;p style="</a:t>
-            </a:r>
-            <a:r>
-              <a:rPr lang="en-IN" i="0" dirty="0" err="1">
-                <a:effectLst/>
-                <a:latin typeface="inter-regular"/>
-              </a:rPr>
-              <a:t>font-size:smaller</a:t>
-            </a:r>
-            <a:r>
-              <a:rPr lang="en-IN" i="0" dirty="0">
-                <a:effectLst/>
-                <a:latin typeface="inter-regular"/>
-              </a:rPr>
-              <a:t>;"&gt;  This font size is smaller. &lt;/p&gt;    </a:t>
-            </a:r>
-          </a:p>
-          <a:p>
-            <a:pPr lvl="2" algn="just"/>
-            <a:r>
-              <a:rPr lang="en-IN" i="0" dirty="0">
-                <a:effectLst/>
-                <a:latin typeface="inter-regular"/>
-              </a:rPr>
-              <a:t>&lt;p style="</a:t>
-            </a:r>
-            <a:r>
-              <a:rPr lang="en-IN" i="0" dirty="0" err="1">
-                <a:effectLst/>
-                <a:latin typeface="inter-regular"/>
-              </a:rPr>
-              <a:t>font-size:larger</a:t>
-            </a:r>
-            <a:r>
-              <a:rPr lang="en-IN" i="0" dirty="0">
-                <a:effectLst/>
-                <a:latin typeface="inter-regular"/>
-              </a:rPr>
-              <a:t>;"&gt;  This font size is larger. &lt;/p&gt;    </a:t>
-            </a:r>
-          </a:p>
-          <a:p>
-            <a:pPr lvl="2" algn="just"/>
-            <a:r>
-              <a:rPr lang="en-IN" i="0" dirty="0">
-                <a:effectLst/>
-                <a:latin typeface="inter-regular"/>
-              </a:rPr>
-              <a:t>&lt;p style="font-size:200%;"&gt;  This font size is set on 200%. &lt;/p&gt;    </a:t>
-            </a:r>
-          </a:p>
-          <a:p>
-            <a:pPr lvl="2" algn="just"/>
-            <a:r>
-              <a:rPr lang="en-IN" i="0" dirty="0">
-                <a:effectLst/>
-                <a:latin typeface="inter-regular"/>
-              </a:rPr>
-              <a:t>&lt;p style="font-size:20px;"&gt;  This font size is 20 pixels.  &lt;/p&gt;    </a:t>
-            </a:r>
-          </a:p>
-          <a:p>
-            <a:pPr lvl="2" algn="just"/>
-            <a:r>
-              <a:rPr lang="en-IN" i="0" dirty="0">
-                <a:effectLst/>
-                <a:latin typeface="inter-regular"/>
-              </a:rPr>
-              <a:t>&lt;/body&gt;  </a:t>
-            </a:r>
-          </a:p>
-          <a:p>
-            <a:pPr lvl="2" algn="just"/>
-            <a:r>
-              <a:rPr lang="en-IN" i="0" dirty="0">
-                <a:effectLst/>
-                <a:latin typeface="inter-regular"/>
-              </a:rPr>
               <a:t>&lt;/html&gt;  </a:t>
             </a:r>
           </a:p>
           <a:p>
-            <a:pPr algn="just"/>
             <a:endParaRPr lang="en-US" b="0" i="0" dirty="0">
               <a:solidFill>
                 <a:srgbClr val="000000"/>
@@ -15135,7 +14842,7 @@
     </p:spTree>
     <p:extLst>
       <p:ext uri="{BB962C8B-B14F-4D97-AF65-F5344CB8AC3E}">
-        <p14:creationId xmlns:p14="http://schemas.microsoft.com/office/powerpoint/2010/main" val="1758221048"/>
+        <p14:creationId xmlns:p14="http://schemas.microsoft.com/office/powerpoint/2010/main" val="798618568"/>
       </p:ext>
     </p:extLst>
   </p:cSld>
@@ -15198,258 +14905,364 @@
                 </a:solidFill>
                 <a:latin typeface="inter-regular"/>
               </a:rPr>
-              <a:t>4</a:t>
+              <a:t>3. </a:t>
+            </a:r>
+            <a:r>
+              <a:rPr lang="en-US" b="0" i="0" u="sng" dirty="0">
+                <a:solidFill>
+                  <a:srgbClr val="333333"/>
+                </a:solidFill>
+                <a:effectLst/>
+                <a:latin typeface="inter-regular"/>
+              </a:rPr>
+              <a:t>CSS font size </a:t>
+            </a:r>
+          </a:p>
+          <a:p>
+            <a:pPr marL="285750" indent="-285750" algn="just">
+              <a:buFont typeface="Wingdings" panose="05000000000000000000" pitchFamily="2" charset="2"/>
+              <a:buChar char="Ø"/>
+            </a:pPr>
+            <a:r>
+              <a:rPr lang="en-US" dirty="0">
+                <a:solidFill>
+                  <a:srgbClr val="333333"/>
+                </a:solidFill>
+                <a:latin typeface="inter-regular"/>
+              </a:rPr>
+              <a:t>This </a:t>
             </a:r>
             <a:r>
               <a:rPr lang="en-US" b="0" i="0" dirty="0">
                 <a:solidFill>
-                  <a:srgbClr val="000000"/>
+                  <a:srgbClr val="333333"/>
                 </a:solidFill>
                 <a:effectLst/>
                 <a:latin typeface="inter-regular"/>
               </a:rPr>
-              <a:t>.</a:t>
-            </a:r>
-            <a:r>
-              <a:rPr lang="en-US" b="0" i="0" dirty="0">
+              <a:t>property is used to change the size of the font.</a:t>
+            </a:r>
+          </a:p>
+          <a:p>
+            <a:pPr algn="just"/>
+            <a:r>
+              <a:rPr lang="en-US" dirty="0">
                 <a:solidFill>
                   <a:srgbClr val="333333"/>
                 </a:solidFill>
-                <a:effectLst/>
                 <a:latin typeface="inter-regular"/>
               </a:rPr>
-              <a:t> </a:t>
-            </a:r>
-            <a:r>
-              <a:rPr lang="en-IN" i="0" u="sng" dirty="0">
-                <a:effectLst/>
-                <a:latin typeface="erdana"/>
-              </a:rPr>
-              <a:t>CSS Font Style</a:t>
-            </a:r>
-            <a:endParaRPr lang="en-US" i="0" u="sng" dirty="0">
-              <a:effectLst/>
-              <a:latin typeface="inter-regular"/>
-            </a:endParaRPr>
-          </a:p>
-          <a:p>
-            <a:pPr lvl="3" algn="just"/>
-            <a:endParaRPr lang="en-IN" i="0" dirty="0">
-              <a:effectLst/>
-              <a:latin typeface="Times New Roman" panose="02020603050405020304" pitchFamily="18" charset="0"/>
-              <a:cs typeface="Times New Roman" panose="02020603050405020304" pitchFamily="18" charset="0"/>
-            </a:endParaRPr>
-          </a:p>
-          <a:p>
-            <a:pPr lvl="3" algn="just"/>
+              <a:t>Example:</a:t>
+            </a:r>
+          </a:p>
+          <a:p>
+            <a:pPr lvl="2" algn="just"/>
             <a:r>
               <a:rPr lang="en-IN" i="0" dirty="0">
                 <a:effectLst/>
-                <a:latin typeface="Times New Roman" panose="02020603050405020304" pitchFamily="18" charset="0"/>
-                <a:cs typeface="Times New Roman" panose="02020603050405020304" pitchFamily="18" charset="0"/>
-              </a:rPr>
-              <a:t>&lt;!DOCTYPE html&gt;  </a:t>
-            </a:r>
-          </a:p>
-          <a:p>
-            <a:pPr lvl="3" algn="just"/>
+                <a:latin typeface="inter-regular"/>
+              </a:rPr>
+              <a:t>&lt;html&gt;  </a:t>
+            </a:r>
+          </a:p>
+          <a:p>
+            <a:pPr lvl="2" algn="just"/>
             <a:r>
               <a:rPr lang="en-IN" i="0" dirty="0">
                 <a:effectLst/>
-                <a:latin typeface="Times New Roman" panose="02020603050405020304" pitchFamily="18" charset="0"/>
-                <a:cs typeface="Times New Roman" panose="02020603050405020304" pitchFamily="18" charset="0"/>
-              </a:rPr>
-              <a:t>&lt;html&gt;  </a:t>
-            </a:r>
-          </a:p>
-          <a:p>
-            <a:pPr lvl="3" algn="just"/>
+                <a:latin typeface="inter-regular"/>
+              </a:rPr>
+              <a:t>&lt;head&gt;  </a:t>
+            </a:r>
+          </a:p>
+          <a:p>
+            <a:pPr lvl="2" algn="just"/>
             <a:r>
               <a:rPr lang="en-IN" i="0" dirty="0">
                 <a:effectLst/>
-                <a:latin typeface="Times New Roman" panose="02020603050405020304" pitchFamily="18" charset="0"/>
-                <a:cs typeface="Times New Roman" panose="02020603050405020304" pitchFamily="18" charset="0"/>
-              </a:rPr>
-              <a:t>&lt;head&gt;  </a:t>
-            </a:r>
-          </a:p>
-          <a:p>
-            <a:pPr lvl="3" algn="just"/>
+                <a:latin typeface="inter-regular"/>
+              </a:rPr>
+              <a:t>&lt;title&gt;Practice CSS font-size property&lt;/title&gt;  </a:t>
+            </a:r>
+          </a:p>
+          <a:p>
+            <a:pPr lvl="2" algn="just"/>
             <a:r>
               <a:rPr lang="en-IN" i="0" dirty="0">
                 <a:effectLst/>
-                <a:latin typeface="Times New Roman" panose="02020603050405020304" pitchFamily="18" charset="0"/>
-                <a:cs typeface="Times New Roman" panose="02020603050405020304" pitchFamily="18" charset="0"/>
-              </a:rPr>
-              <a:t>&lt;style&gt;  </a:t>
-            </a:r>
-          </a:p>
-          <a:p>
-            <a:pPr lvl="3" algn="just"/>
+                <a:latin typeface="inter-regular"/>
+              </a:rPr>
+              <a:t>&lt;/head&gt;  </a:t>
+            </a:r>
+          </a:p>
+          <a:p>
+            <a:pPr lvl="2" algn="just"/>
             <a:r>
               <a:rPr lang="en-IN" i="0" dirty="0">
                 <a:effectLst/>
-                <a:latin typeface="Times New Roman" panose="02020603050405020304" pitchFamily="18" charset="0"/>
-                <a:cs typeface="Times New Roman" panose="02020603050405020304" pitchFamily="18" charset="0"/>
-              </a:rPr>
-              <a:t>body {  </a:t>
-            </a:r>
-          </a:p>
-          <a:p>
-            <a:pPr lvl="3" algn="just"/>
+                <a:latin typeface="inter-regular"/>
+              </a:rPr>
+              <a:t>&lt;body&gt;  </a:t>
+            </a:r>
+          </a:p>
+          <a:p>
+            <a:pPr lvl="2" algn="just"/>
             <a:r>
               <a:rPr lang="en-IN" i="0" dirty="0">
                 <a:effectLst/>
-                <a:latin typeface="Times New Roman" panose="02020603050405020304" pitchFamily="18" charset="0"/>
-                <a:cs typeface="Times New Roman" panose="02020603050405020304" pitchFamily="18" charset="0"/>
-              </a:rPr>
-              <a:t>font-size: 100%;  </a:t>
-            </a:r>
-          </a:p>
-          <a:p>
-            <a:pPr lvl="3" algn="just"/>
+                <a:latin typeface="inter-regular"/>
+              </a:rPr>
+              <a:t>&lt;p style="</a:t>
+            </a:r>
+            <a:r>
+              <a:rPr lang="en-IN" i="0" dirty="0" err="1">
+                <a:effectLst/>
+                <a:latin typeface="inter-regular"/>
+              </a:rPr>
+              <a:t>font-size:xx-small</a:t>
+            </a:r>
             <a:r>
               <a:rPr lang="en-IN" i="0" dirty="0">
                 <a:effectLst/>
-                <a:latin typeface="Times New Roman" panose="02020603050405020304" pitchFamily="18" charset="0"/>
-                <a:cs typeface="Times New Roman" panose="02020603050405020304" pitchFamily="18" charset="0"/>
-              </a:rPr>
-              <a:t>}  </a:t>
-            </a:r>
-          </a:p>
-          <a:p>
-            <a:pPr lvl="3" algn="just"/>
+                <a:latin typeface="inter-regular"/>
+              </a:rPr>
+              <a:t>;"&gt;  This font size is extremely small.&lt;/p&gt;    </a:t>
+            </a:r>
+          </a:p>
+          <a:p>
+            <a:pPr lvl="2" algn="just"/>
             <a:r>
               <a:rPr lang="en-IN" i="0" dirty="0">
                 <a:effectLst/>
-                <a:latin typeface="Times New Roman" panose="02020603050405020304" pitchFamily="18" charset="0"/>
-                <a:cs typeface="Times New Roman" panose="02020603050405020304" pitchFamily="18" charset="0"/>
-              </a:rPr>
-              <a:t>h2 { font-style: italic; }  </a:t>
-            </a:r>
-          </a:p>
-          <a:p>
-            <a:pPr lvl="3" algn="just"/>
+                <a:latin typeface="inter-regular"/>
+              </a:rPr>
+              <a:t>&lt;p style="</a:t>
+            </a:r>
+            <a:r>
+              <a:rPr lang="en-IN" i="0" dirty="0" err="1">
+                <a:effectLst/>
+                <a:latin typeface="inter-regular"/>
+              </a:rPr>
+              <a:t>font-size:x-small</a:t>
+            </a:r>
             <a:r>
               <a:rPr lang="en-IN" i="0" dirty="0">
                 <a:effectLst/>
-                <a:latin typeface="Times New Roman" panose="02020603050405020304" pitchFamily="18" charset="0"/>
-                <a:cs typeface="Times New Roman" panose="02020603050405020304" pitchFamily="18" charset="0"/>
-              </a:rPr>
-              <a:t>h3 { font-style: oblique; }  </a:t>
-            </a:r>
-          </a:p>
-          <a:p>
-            <a:pPr lvl="3" algn="just"/>
+                <a:latin typeface="inter-regular"/>
+              </a:rPr>
+              <a:t>;"&gt;  This font size is extra small&lt;/p&gt;    </a:t>
+            </a:r>
+          </a:p>
+          <a:p>
+            <a:pPr lvl="2" algn="just"/>
             <a:r>
               <a:rPr lang="en-IN" i="0" dirty="0">
                 <a:effectLst/>
-                <a:latin typeface="Times New Roman" panose="02020603050405020304" pitchFamily="18" charset="0"/>
-                <a:cs typeface="Times New Roman" panose="02020603050405020304" pitchFamily="18" charset="0"/>
-              </a:rPr>
-              <a:t>h4 { font-style: normal; }   </a:t>
-            </a:r>
-          </a:p>
-          <a:p>
-            <a:pPr lvl="3" algn="just"/>
+                <a:latin typeface="inter-regular"/>
+              </a:rPr>
+              <a:t>&lt;p style="</a:t>
+            </a:r>
+            <a:r>
+              <a:rPr lang="en-IN" i="0" dirty="0" err="1">
+                <a:effectLst/>
+                <a:latin typeface="inter-regular"/>
+              </a:rPr>
+              <a:t>font-size:small</a:t>
+            </a:r>
             <a:r>
               <a:rPr lang="en-IN" i="0" dirty="0">
                 <a:effectLst/>
-                <a:latin typeface="Times New Roman" panose="02020603050405020304" pitchFamily="18" charset="0"/>
-                <a:cs typeface="Times New Roman" panose="02020603050405020304" pitchFamily="18" charset="0"/>
-              </a:rPr>
-              <a:t>}  </a:t>
-            </a:r>
-          </a:p>
-          <a:p>
-            <a:pPr lvl="3" algn="just"/>
+                <a:latin typeface="inter-regular"/>
+              </a:rPr>
+              <a:t>;"&gt;  This font size is small&lt;/p&gt;    </a:t>
+            </a:r>
+          </a:p>
+          <a:p>
+            <a:pPr lvl="2" algn="just"/>
             <a:r>
               <a:rPr lang="en-IN" i="0" dirty="0">
                 <a:effectLst/>
-                <a:latin typeface="Times New Roman" panose="02020603050405020304" pitchFamily="18" charset="0"/>
-                <a:cs typeface="Times New Roman" panose="02020603050405020304" pitchFamily="18" charset="0"/>
-              </a:rPr>
-              <a:t>&lt;/style&gt;  </a:t>
-            </a:r>
-          </a:p>
-          <a:p>
-            <a:pPr lvl="3" algn="just"/>
+                <a:latin typeface="inter-regular"/>
+              </a:rPr>
+              <a:t>&lt;p style="</a:t>
+            </a:r>
+            <a:r>
+              <a:rPr lang="en-IN" i="0" dirty="0" err="1">
+                <a:effectLst/>
+                <a:latin typeface="inter-regular"/>
+              </a:rPr>
+              <a:t>font-size:medium</a:t>
+            </a:r>
             <a:r>
               <a:rPr lang="en-IN" i="0" dirty="0">
                 <a:effectLst/>
-                <a:latin typeface="Times New Roman" panose="02020603050405020304" pitchFamily="18" charset="0"/>
-                <a:cs typeface="Times New Roman" panose="02020603050405020304" pitchFamily="18" charset="0"/>
-              </a:rPr>
-              <a:t>&lt;/head&gt;  </a:t>
-            </a:r>
-          </a:p>
-          <a:p>
-            <a:pPr lvl="3" algn="just"/>
+                <a:latin typeface="inter-regular"/>
+              </a:rPr>
+              <a:t>;"&gt;  This font size is medium. &lt;/p&gt;    </a:t>
+            </a:r>
+          </a:p>
+          <a:p>
+            <a:pPr lvl="2" algn="just"/>
             <a:r>
               <a:rPr lang="en-IN" i="0" dirty="0">
                 <a:effectLst/>
-                <a:latin typeface="Times New Roman" panose="02020603050405020304" pitchFamily="18" charset="0"/>
-                <a:cs typeface="Times New Roman" panose="02020603050405020304" pitchFamily="18" charset="0"/>
-              </a:rPr>
-              <a:t>&lt;body&gt;  </a:t>
-            </a:r>
-          </a:p>
-          <a:p>
-            <a:pPr lvl="3" algn="just"/>
+                <a:latin typeface="inter-regular"/>
+              </a:rPr>
+              <a:t>&lt;p style="</a:t>
+            </a:r>
+            <a:r>
+              <a:rPr lang="en-IN" i="0" dirty="0" err="1">
+                <a:effectLst/>
+                <a:latin typeface="inter-regular"/>
+              </a:rPr>
+              <a:t>font-size:large</a:t>
+            </a:r>
             <a:r>
               <a:rPr lang="en-IN" i="0" dirty="0">
                 <a:effectLst/>
-                <a:latin typeface="Times New Roman" panose="02020603050405020304" pitchFamily="18" charset="0"/>
-                <a:cs typeface="Times New Roman" panose="02020603050405020304" pitchFamily="18" charset="0"/>
-              </a:rPr>
-              <a:t>&lt;h2&gt;This heading is shown in italic font.&lt;/h2&gt;  </a:t>
-            </a:r>
-          </a:p>
-          <a:p>
-            <a:pPr lvl="3" algn="just"/>
+                <a:latin typeface="inter-regular"/>
+              </a:rPr>
+              <a:t>;"&gt;  This font size is large. &lt;/p&gt;    </a:t>
+            </a:r>
+          </a:p>
+          <a:p>
+            <a:pPr lvl="2" algn="just"/>
             <a:r>
               <a:rPr lang="en-IN" i="0" dirty="0">
                 <a:effectLst/>
-                <a:latin typeface="Times New Roman" panose="02020603050405020304" pitchFamily="18" charset="0"/>
-                <a:cs typeface="Times New Roman" panose="02020603050405020304" pitchFamily="18" charset="0"/>
-              </a:rPr>
-              <a:t>&lt;h3&gt;This heading is shown in oblique font.&lt;/h3&gt;  </a:t>
-            </a:r>
-          </a:p>
-          <a:p>
-            <a:pPr lvl="3" algn="just"/>
+                <a:latin typeface="inter-regular"/>
+              </a:rPr>
+              <a:t>&lt;p style="</a:t>
+            </a:r>
+            <a:r>
+              <a:rPr lang="en-IN" i="0" dirty="0" err="1">
+                <a:effectLst/>
+                <a:latin typeface="inter-regular"/>
+              </a:rPr>
+              <a:t>font-size:x-large</a:t>
+            </a:r>
             <a:r>
               <a:rPr lang="en-IN" i="0" dirty="0">
                 <a:effectLst/>
-                <a:latin typeface="Times New Roman" panose="02020603050405020304" pitchFamily="18" charset="0"/>
-                <a:cs typeface="Times New Roman" panose="02020603050405020304" pitchFamily="18" charset="0"/>
-              </a:rPr>
-              <a:t>&lt;h4&gt;This heading is shown in normal font.&lt;/h4&gt;  </a:t>
-            </a:r>
-          </a:p>
-          <a:p>
-            <a:pPr lvl="3" algn="just"/>
+                <a:latin typeface="inter-regular"/>
+              </a:rPr>
+              <a:t>;"&gt;  This font size is extra large. &lt;/p&gt;    </a:t>
+            </a:r>
+          </a:p>
+          <a:p>
+            <a:pPr lvl="2" algn="just"/>
             <a:r>
               <a:rPr lang="en-IN" i="0" dirty="0">
                 <a:effectLst/>
-                <a:latin typeface="Times New Roman" panose="02020603050405020304" pitchFamily="18" charset="0"/>
-                <a:cs typeface="Times New Roman" panose="02020603050405020304" pitchFamily="18" charset="0"/>
+                <a:latin typeface="inter-regular"/>
+              </a:rPr>
+              <a:t>&lt;p style="</a:t>
+            </a:r>
+            <a:r>
+              <a:rPr lang="en-IN" i="0" dirty="0" err="1">
+                <a:effectLst/>
+                <a:latin typeface="inter-regular"/>
+              </a:rPr>
+              <a:t>font-size:xx-large</a:t>
+            </a:r>
+            <a:r>
+              <a:rPr lang="en-IN" i="0" dirty="0">
+                <a:effectLst/>
+                <a:latin typeface="inter-regular"/>
+              </a:rPr>
+              <a:t>;"&gt;  This font size is extremely large. &lt;/p&gt;    </a:t>
+            </a:r>
+          </a:p>
+          <a:p>
+            <a:pPr lvl="2" algn="just"/>
+            <a:r>
+              <a:rPr lang="en-IN" i="0" dirty="0">
+                <a:effectLst/>
+                <a:latin typeface="inter-regular"/>
+              </a:rPr>
+              <a:t>&lt;p style="</a:t>
+            </a:r>
+            <a:r>
+              <a:rPr lang="en-IN" i="0" dirty="0" err="1">
+                <a:effectLst/>
+                <a:latin typeface="inter-regular"/>
+              </a:rPr>
+              <a:t>font-size:smaller</a:t>
+            </a:r>
+            <a:r>
+              <a:rPr lang="en-IN" i="0" dirty="0">
+                <a:effectLst/>
+                <a:latin typeface="inter-regular"/>
+              </a:rPr>
+              <a:t>;"&gt;  This font size is smaller. &lt;/p&gt;    </a:t>
+            </a:r>
+          </a:p>
+          <a:p>
+            <a:pPr lvl="2" algn="just"/>
+            <a:r>
+              <a:rPr lang="en-IN" i="0" dirty="0">
+                <a:effectLst/>
+                <a:latin typeface="inter-regular"/>
+              </a:rPr>
+              <a:t>&lt;p style="</a:t>
+            </a:r>
+            <a:r>
+              <a:rPr lang="en-IN" i="0" dirty="0" err="1">
+                <a:effectLst/>
+                <a:latin typeface="inter-regular"/>
+              </a:rPr>
+              <a:t>font-size:larger</a:t>
+            </a:r>
+            <a:r>
+              <a:rPr lang="en-IN" i="0" dirty="0">
+                <a:effectLst/>
+                <a:latin typeface="inter-regular"/>
+              </a:rPr>
+              <a:t>;"&gt;  This font size is larger. &lt;/p&gt;    </a:t>
+            </a:r>
+          </a:p>
+          <a:p>
+            <a:pPr lvl="2" algn="just"/>
+            <a:r>
+              <a:rPr lang="en-IN" i="0" dirty="0">
+                <a:effectLst/>
+                <a:latin typeface="inter-regular"/>
+              </a:rPr>
+              <a:t>&lt;p style="font-size:200%;"&gt;  This font size is set on 200%. &lt;/p&gt;    </a:t>
+            </a:r>
+          </a:p>
+          <a:p>
+            <a:pPr lvl="2" algn="just"/>
+            <a:r>
+              <a:rPr lang="en-IN" i="0" dirty="0">
+                <a:effectLst/>
+                <a:latin typeface="inter-regular"/>
+              </a:rPr>
+              <a:t>&lt;p style="font-size:20px;"&gt;  This font size is 20 pixels.  &lt;/p&gt;    </a:t>
+            </a:r>
+          </a:p>
+          <a:p>
+            <a:pPr lvl="2" algn="just"/>
+            <a:r>
+              <a:rPr lang="en-IN" i="0" dirty="0">
+                <a:effectLst/>
+                <a:latin typeface="inter-regular"/>
               </a:rPr>
               <a:t>&lt;/body&gt;  </a:t>
             </a:r>
           </a:p>
           <a:p>
-            <a:pPr lvl="3" algn="just"/>
+            <a:pPr lvl="2" algn="just"/>
             <a:r>
               <a:rPr lang="en-IN" i="0" dirty="0">
                 <a:effectLst/>
-                <a:latin typeface="Times New Roman" panose="02020603050405020304" pitchFamily="18" charset="0"/>
-                <a:cs typeface="Times New Roman" panose="02020603050405020304" pitchFamily="18" charset="0"/>
-              </a:rPr>
-              <a:t>&lt;/html&gt;</a:t>
-            </a:r>
-          </a:p>
-          <a:p>
+                <a:latin typeface="inter-regular"/>
+              </a:rPr>
+              <a:t>&lt;/html&gt;  </a:t>
+            </a:r>
+          </a:p>
+          <a:p>
+            <a:pPr algn="just"/>
             <a:endParaRPr lang="en-US" b="0" i="0" dirty="0">
               <a:solidFill>
                 <a:srgbClr val="000000"/>
@@ -15463,7 +15276,7 @@
     </p:spTree>
     <p:extLst>
       <p:ext uri="{BB962C8B-B14F-4D97-AF65-F5344CB8AC3E}">
-        <p14:creationId xmlns:p14="http://schemas.microsoft.com/office/powerpoint/2010/main" val="952159278"/>
+        <p14:creationId xmlns:p14="http://schemas.microsoft.com/office/powerpoint/2010/main" val="1758221048"/>
       </p:ext>
     </p:extLst>
   </p:cSld>
@@ -15505,7 +15318,7 @@
         <p:spPr>
           <a:xfrm>
             <a:off x="1606858" y="355107"/>
-            <a:ext cx="10351363" cy="6863417"/>
+            <a:ext cx="10351363" cy="6186309"/>
           </a:xfrm>
           <a:prstGeom prst="rect">
             <a:avLst/>
@@ -15520,6 +15333,15 @@
           <a:p>
             <a:pPr algn="just"/>
             <a:r>
+              <a:rPr lang="en-US" dirty="0">
+                <a:solidFill>
+                  <a:srgbClr val="000000"/>
+                </a:solidFill>
+                <a:latin typeface="inter-regular"/>
+              </a:rPr>
+              <a:t>4</a:t>
+            </a:r>
+            <a:r>
               <a:rPr lang="en-US" b="0" i="0" dirty="0">
                 <a:solidFill>
                   <a:srgbClr val="000000"/>
@@ -15527,7 +15349,7 @@
                 <a:effectLst/>
                 <a:latin typeface="inter-regular"/>
               </a:rPr>
-              <a:t>5.</a:t>
+              <a:t>.</a:t>
             </a:r>
             <a:r>
               <a:rPr lang="en-US" b="0" i="0" dirty="0">
@@ -15540,11 +15362,11 @@
               <a:t> </a:t>
             </a:r>
             <a:r>
-              <a:rPr lang="en-IN" b="0" i="0" u="sng" dirty="0">
+              <a:rPr lang="en-IN" i="0" u="sng" dirty="0">
                 <a:effectLst/>
                 <a:latin typeface="erdana"/>
               </a:rPr>
-              <a:t>CSS Font Variant</a:t>
+              <a:t>CSS Font Style</a:t>
             </a:r>
             <a:endParaRPr lang="en-US" i="0" u="sng" dirty="0">
               <a:effectLst/>
@@ -15553,10 +15375,19 @@
           </a:p>
           <a:p>
             <a:pPr lvl="3" algn="just"/>
-            <a:r>
-              <a:rPr lang="en-IN" sz="1600" i="0" dirty="0">
-                <a:effectLst/>
-                <a:latin typeface="inter-regular"/>
+            <a:endParaRPr lang="en-IN" i="0" dirty="0">
+              <a:effectLst/>
+              <a:latin typeface="Times New Roman" panose="02020603050405020304" pitchFamily="18" charset="0"/>
+              <a:cs typeface="Times New Roman" panose="02020603050405020304" pitchFamily="18" charset="0"/>
+            </a:endParaRPr>
+          </a:p>
+          <a:p>
+            <a:pPr lvl="3" algn="just"/>
+            <a:r>
+              <a:rPr lang="en-IN" i="0" dirty="0">
+                <a:effectLst/>
+                <a:latin typeface="Times New Roman" panose="02020603050405020304" pitchFamily="18" charset="0"/>
+                <a:cs typeface="Times New Roman" panose="02020603050405020304" pitchFamily="18" charset="0"/>
               </a:rPr>
               <a:t>&lt;!DOCTYPE html&gt;  </a:t>
             </a:r>
@@ -15564,9 +15395,10 @@
           <a:p>
             <a:pPr lvl="3" algn="just"/>
             <a:r>
-              <a:rPr lang="en-IN" sz="1600" i="0" dirty="0">
-                <a:effectLst/>
-                <a:latin typeface="inter-regular"/>
+              <a:rPr lang="en-IN" i="0" dirty="0">
+                <a:effectLst/>
+                <a:latin typeface="Times New Roman" panose="02020603050405020304" pitchFamily="18" charset="0"/>
+                <a:cs typeface="Times New Roman" panose="02020603050405020304" pitchFamily="18" charset="0"/>
               </a:rPr>
               <a:t>&lt;html&gt;  </a:t>
             </a:r>
@@ -15574,9 +15406,10 @@
           <a:p>
             <a:pPr lvl="3" algn="just"/>
             <a:r>
-              <a:rPr lang="en-IN" sz="1600" i="0" dirty="0">
-                <a:effectLst/>
-                <a:latin typeface="inter-regular"/>
+              <a:rPr lang="en-IN" i="0" dirty="0">
+                <a:effectLst/>
+                <a:latin typeface="Times New Roman" panose="02020603050405020304" pitchFamily="18" charset="0"/>
+                <a:cs typeface="Times New Roman" panose="02020603050405020304" pitchFamily="18" charset="0"/>
               </a:rPr>
               <a:t>&lt;head&gt;  </a:t>
             </a:r>
@@ -15584,9 +15417,10 @@
           <a:p>
             <a:pPr lvl="3" algn="just"/>
             <a:r>
-              <a:rPr lang="en-IN" sz="1600" i="0" dirty="0">
-                <a:effectLst/>
-                <a:latin typeface="inter-regular"/>
+              <a:rPr lang="en-IN" i="0" dirty="0">
+                <a:effectLst/>
+                <a:latin typeface="Times New Roman" panose="02020603050405020304" pitchFamily="18" charset="0"/>
+                <a:cs typeface="Times New Roman" panose="02020603050405020304" pitchFamily="18" charset="0"/>
               </a:rPr>
               <a:t>&lt;style&gt;  </a:t>
             </a:r>
@@ -15594,26 +15428,87 @@
           <a:p>
             <a:pPr lvl="3" algn="just"/>
             <a:r>
-              <a:rPr lang="en-IN" dirty="0"/>
-              <a:t>p { font-variant: small-caps; }  </a:t>
+              <a:rPr lang="en-IN" i="0" dirty="0">
+                <a:effectLst/>
+                <a:latin typeface="Times New Roman" panose="02020603050405020304" pitchFamily="18" charset="0"/>
+                <a:cs typeface="Times New Roman" panose="02020603050405020304" pitchFamily="18" charset="0"/>
+              </a:rPr>
+              <a:t>body {  </a:t>
             </a:r>
           </a:p>
           <a:p>
             <a:pPr lvl="3" algn="just"/>
             <a:r>
-              <a:rPr lang="en-IN" sz="1600" i="0" dirty="0">
-                <a:effectLst/>
-                <a:latin typeface="inter-regular"/>
-              </a:rPr>
-              <a:t>h3 { font-variant: normal; }  </a:t>
+              <a:rPr lang="en-IN" i="0" dirty="0">
+                <a:effectLst/>
+                <a:latin typeface="Times New Roman" panose="02020603050405020304" pitchFamily="18" charset="0"/>
+                <a:cs typeface="Times New Roman" panose="02020603050405020304" pitchFamily="18" charset="0"/>
+              </a:rPr>
+              <a:t>font-size: 100%;  </a:t>
             </a:r>
           </a:p>
           <a:p>
             <a:pPr lvl="3" algn="just"/>
             <a:r>
-              <a:rPr lang="en-IN" sz="1600" i="0" dirty="0">
-                <a:effectLst/>
-                <a:latin typeface="inter-regular"/>
+              <a:rPr lang="en-IN" i="0" dirty="0">
+                <a:effectLst/>
+                <a:latin typeface="Times New Roman" panose="02020603050405020304" pitchFamily="18" charset="0"/>
+                <a:cs typeface="Times New Roman" panose="02020603050405020304" pitchFamily="18" charset="0"/>
+              </a:rPr>
+              <a:t>}  </a:t>
+            </a:r>
+          </a:p>
+          <a:p>
+            <a:pPr lvl="3" algn="just"/>
+            <a:r>
+              <a:rPr lang="en-IN" i="0" dirty="0">
+                <a:effectLst/>
+                <a:latin typeface="Times New Roman" panose="02020603050405020304" pitchFamily="18" charset="0"/>
+                <a:cs typeface="Times New Roman" panose="02020603050405020304" pitchFamily="18" charset="0"/>
+              </a:rPr>
+              <a:t>h2 { font-style: italic; }  </a:t>
+            </a:r>
+          </a:p>
+          <a:p>
+            <a:pPr lvl="3" algn="just"/>
+            <a:r>
+              <a:rPr lang="en-IN" i="0" dirty="0">
+                <a:effectLst/>
+                <a:latin typeface="Times New Roman" panose="02020603050405020304" pitchFamily="18" charset="0"/>
+                <a:cs typeface="Times New Roman" panose="02020603050405020304" pitchFamily="18" charset="0"/>
+              </a:rPr>
+              <a:t>h3 { font-style: oblique; }  </a:t>
+            </a:r>
+          </a:p>
+          <a:p>
+            <a:pPr lvl="3" algn="just"/>
+            <a:r>
+              <a:rPr lang="en-IN" i="0" dirty="0">
+                <a:effectLst/>
+                <a:latin typeface="Times New Roman" panose="02020603050405020304" pitchFamily="18" charset="0"/>
+                <a:cs typeface="Times New Roman" panose="02020603050405020304" pitchFamily="18" charset="0"/>
+              </a:rPr>
+              <a:t>h4 { font-style: normal; }   </a:t>
+            </a:r>
+          </a:p>
+          <a:p>
+            <a:pPr lvl="3" algn="just"/>
+            <a:r>
+              <a:rPr lang="en-IN" i="0" dirty="0">
+                <a:effectLst/>
+                <a:latin typeface="Times New Roman" panose="02020603050405020304" pitchFamily="18" charset="0"/>
+                <a:cs typeface="Times New Roman" panose="02020603050405020304" pitchFamily="18" charset="0"/>
+              </a:rPr>
+              <a:t>}  </a:t>
+            </a:r>
+          </a:p>
+          <a:p>
+            <a:pPr lvl="3" algn="just"/>
+            <a:r>
+              <a:rPr lang="en-IN" i="0" dirty="0">
+                <a:effectLst/>
+                <a:latin typeface="Times New Roman" panose="02020603050405020304" pitchFamily="18" charset="0"/>
+                <a:cs typeface="Times New Roman" panose="02020603050405020304" pitchFamily="18" charset="0"/>
               </a:rPr>
               <a:t>&lt;/style&gt;  </a:t>
             </a:r>
@@ -15621,9 +15516,10 @@
           <a:p>
             <a:pPr lvl="3" algn="just"/>
             <a:r>
-              <a:rPr lang="en-IN" sz="1600" i="0" dirty="0">
-                <a:effectLst/>
-                <a:latin typeface="inter-regular"/>
+              <a:rPr lang="en-IN" i="0" dirty="0">
+                <a:effectLst/>
+                <a:latin typeface="Times New Roman" panose="02020603050405020304" pitchFamily="18" charset="0"/>
+                <a:cs typeface="Times New Roman" panose="02020603050405020304" pitchFamily="18" charset="0"/>
               </a:rPr>
               <a:t>&lt;/head&gt;  </a:t>
             </a:r>
@@ -15631,9 +15527,10 @@
           <a:p>
             <a:pPr lvl="3" algn="just"/>
             <a:r>
-              <a:rPr lang="en-IN" sz="1600" i="0" dirty="0">
-                <a:effectLst/>
-                <a:latin typeface="inter-regular"/>
+              <a:rPr lang="en-IN" i="0" dirty="0">
+                <a:effectLst/>
+                <a:latin typeface="Times New Roman" panose="02020603050405020304" pitchFamily="18" charset="0"/>
+                <a:cs typeface="Times New Roman" panose="02020603050405020304" pitchFamily="18" charset="0"/>
               </a:rPr>
               <a:t>&lt;body&gt;  </a:t>
             </a:r>
@@ -15641,29 +15538,43 @@
           <a:p>
             <a:pPr lvl="3" algn="just"/>
             <a:r>
-              <a:rPr lang="en-IN" sz="1600" i="0" dirty="0">
-                <a:effectLst/>
-                <a:latin typeface="inter-regular"/>
-              </a:rPr>
-              <a:t>&lt;h3&gt;This heading is shown in normal font.&lt;/h3&gt;  </a:t>
+              <a:rPr lang="en-IN" i="0" dirty="0">
+                <a:effectLst/>
+                <a:latin typeface="Times New Roman" panose="02020603050405020304" pitchFamily="18" charset="0"/>
+                <a:cs typeface="Times New Roman" panose="02020603050405020304" pitchFamily="18" charset="0"/>
+              </a:rPr>
+              <a:t>&lt;h2&gt;This heading is shown in italic font.&lt;/h2&gt;  </a:t>
             </a:r>
           </a:p>
           <a:p>
             <a:pPr lvl="3" algn="just"/>
             <a:r>
-              <a:rPr lang="en-IN" sz="1600" i="0" dirty="0">
-                <a:effectLst/>
-                <a:latin typeface="inter-regular"/>
-              </a:rPr>
-              <a:t>&lt;p&gt;This paragraph is shown in small font.&lt;/p&gt;  </a:t>
+              <a:rPr lang="en-IN" i="0" dirty="0">
+                <a:effectLst/>
+                <a:latin typeface="Times New Roman" panose="02020603050405020304" pitchFamily="18" charset="0"/>
+                <a:cs typeface="Times New Roman" panose="02020603050405020304" pitchFamily="18" charset="0"/>
+              </a:rPr>
+              <a:t>&lt;h3&gt;This heading is shown in oblique font.&lt;/h3&gt;  </a:t>
             </a:r>
           </a:p>
           <a:p>
             <a:pPr lvl="3" algn="just"/>
             <a:r>
-              <a:rPr lang="en-IN" sz="1600" i="0" dirty="0">
-                <a:effectLst/>
-                <a:latin typeface="inter-regular"/>
+              <a:rPr lang="en-IN" i="0" dirty="0">
+                <a:effectLst/>
+                <a:latin typeface="Times New Roman" panose="02020603050405020304" pitchFamily="18" charset="0"/>
+                <a:cs typeface="Times New Roman" panose="02020603050405020304" pitchFamily="18" charset="0"/>
+              </a:rPr>
+              <a:t>&lt;h4&gt;This heading is shown in normal font.&lt;/h4&gt;  </a:t>
+            </a:r>
+          </a:p>
+          <a:p>
+            <a:pPr lvl="3" algn="just"/>
+            <a:r>
+              <a:rPr lang="en-IN" i="0" dirty="0">
+                <a:effectLst/>
+                <a:latin typeface="Times New Roman" panose="02020603050405020304" pitchFamily="18" charset="0"/>
+                <a:cs typeface="Times New Roman" panose="02020603050405020304" pitchFamily="18" charset="0"/>
               </a:rPr>
               <a:t>&lt;/body&gt;  </a:t>
             </a:r>
@@ -15671,224 +15582,13 @@
           <a:p>
             <a:pPr lvl="3" algn="just"/>
             <a:r>
-              <a:rPr lang="en-IN" sz="1600" i="0" dirty="0">
-                <a:effectLst/>
-                <a:latin typeface="inter-regular"/>
-              </a:rPr>
-              <a:t>&lt;/html&gt; </a:t>
-            </a:r>
-            <a:endParaRPr lang="en-IN" sz="1600" b="0" i="0" dirty="0">
-              <a:solidFill>
-                <a:srgbClr val="000000"/>
-              </a:solidFill>
-              <a:effectLst/>
-              <a:latin typeface="inter-regular"/>
-            </a:endParaRPr>
-          </a:p>
-          <a:p>
-            <a:r>
-              <a:rPr lang="en-IN" u="sng" dirty="0">
-                <a:latin typeface="erdana"/>
-              </a:rPr>
-              <a:t>6</a:t>
-            </a:r>
-            <a:r>
-              <a:rPr lang="en-IN" b="0" i="0" u="sng" dirty="0">
-                <a:effectLst/>
-                <a:latin typeface="erdana"/>
-              </a:rPr>
-              <a:t>. CSS Font Weight</a:t>
-            </a:r>
-          </a:p>
-          <a:p>
-            <a:pPr lvl="4" algn="just"/>
-            <a:r>
-              <a:rPr lang="en-IN" sz="1600" b="0" i="0" dirty="0">
-                <a:solidFill>
-                  <a:srgbClr val="000000"/>
-                </a:solidFill>
-                <a:effectLst/>
-                <a:latin typeface="inter-regular"/>
-              </a:rPr>
-              <a:t>&lt;!DOCTYPE html</a:t>
-            </a:r>
-            <a:r>
-              <a:rPr lang="en-IN" sz="1600" i="0" dirty="0">
-                <a:effectLst/>
-                <a:latin typeface="inter-regular"/>
-              </a:rPr>
-              <a:t>&gt;</a:t>
-            </a:r>
-            <a:r>
-              <a:rPr lang="en-IN" sz="1600" b="0" i="0" dirty="0">
-                <a:effectLst/>
-                <a:latin typeface="inter-regular"/>
-              </a:rPr>
-              <a:t> </a:t>
-            </a:r>
-            <a:r>
-              <a:rPr lang="en-IN" sz="1600" b="0" i="0" dirty="0">
-                <a:solidFill>
-                  <a:srgbClr val="000000"/>
-                </a:solidFill>
-                <a:effectLst/>
-                <a:latin typeface="inter-regular"/>
-              </a:rPr>
-              <a:t> </a:t>
-            </a:r>
-          </a:p>
-          <a:p>
-            <a:pPr lvl="4" algn="just"/>
-            <a:r>
-              <a:rPr lang="en-IN" sz="1600" i="0" dirty="0">
-                <a:effectLst/>
-                <a:latin typeface="Times New Roman" panose="02020603050405020304" pitchFamily="18" charset="0"/>
-                <a:cs typeface="Times New Roman" panose="02020603050405020304" pitchFamily="18" charset="0"/>
-              </a:rPr>
-              <a:t>&lt;html&gt;  </a:t>
-            </a:r>
-          </a:p>
-          <a:p>
-            <a:pPr lvl="4" algn="just"/>
-            <a:r>
-              <a:rPr lang="en-IN" sz="1600" i="0" dirty="0">
-                <a:effectLst/>
-                <a:latin typeface="Times New Roman" panose="02020603050405020304" pitchFamily="18" charset="0"/>
-                <a:cs typeface="Times New Roman" panose="02020603050405020304" pitchFamily="18" charset="0"/>
-              </a:rPr>
-              <a:t>&lt;body&gt;  </a:t>
-            </a:r>
-          </a:p>
-          <a:p>
-            <a:pPr lvl="4" algn="just"/>
-            <a:r>
-              <a:rPr lang="en-IN" sz="1600" i="0" dirty="0">
-                <a:effectLst/>
-                <a:latin typeface="Times New Roman" panose="02020603050405020304" pitchFamily="18" charset="0"/>
-                <a:cs typeface="Times New Roman" panose="02020603050405020304" pitchFamily="18" charset="0"/>
-              </a:rPr>
-              <a:t>&lt;p style="</a:t>
-            </a:r>
-            <a:r>
-              <a:rPr lang="en-IN" sz="1600" i="0" dirty="0" err="1">
-                <a:effectLst/>
-                <a:latin typeface="Times New Roman" panose="02020603050405020304" pitchFamily="18" charset="0"/>
-                <a:cs typeface="Times New Roman" panose="02020603050405020304" pitchFamily="18" charset="0"/>
-              </a:rPr>
-              <a:t>font-weight:bold</a:t>
-            </a:r>
-            <a:r>
-              <a:rPr lang="en-IN" sz="1600" i="0" dirty="0">
-                <a:effectLst/>
-                <a:latin typeface="Times New Roman" panose="02020603050405020304" pitchFamily="18" charset="0"/>
-                <a:cs typeface="Times New Roman" panose="02020603050405020304" pitchFamily="18" charset="0"/>
-              </a:rPr>
-              <a:t>;"&gt;This font is bold.&lt;/p&gt;  </a:t>
-            </a:r>
-          </a:p>
-          <a:p>
-            <a:pPr lvl="4" algn="just"/>
-            <a:r>
-              <a:rPr lang="en-IN" sz="1600" i="0" dirty="0">
-                <a:effectLst/>
-                <a:latin typeface="Times New Roman" panose="02020603050405020304" pitchFamily="18" charset="0"/>
-                <a:cs typeface="Times New Roman" panose="02020603050405020304" pitchFamily="18" charset="0"/>
-              </a:rPr>
-              <a:t>&lt;p style="</a:t>
-            </a:r>
-            <a:r>
-              <a:rPr lang="en-IN" sz="1600" i="0" dirty="0" err="1">
-                <a:effectLst/>
-                <a:latin typeface="Times New Roman" panose="02020603050405020304" pitchFamily="18" charset="0"/>
-                <a:cs typeface="Times New Roman" panose="02020603050405020304" pitchFamily="18" charset="0"/>
-              </a:rPr>
-              <a:t>font-weight:bolder</a:t>
-            </a:r>
-            <a:r>
-              <a:rPr lang="en-IN" sz="1600" i="0" dirty="0">
-                <a:effectLst/>
-                <a:latin typeface="Times New Roman" panose="02020603050405020304" pitchFamily="18" charset="0"/>
-                <a:cs typeface="Times New Roman" panose="02020603050405020304" pitchFamily="18" charset="0"/>
-              </a:rPr>
-              <a:t>;"&gt;This font is bolder.&lt;/p&gt;  </a:t>
-            </a:r>
-          </a:p>
-          <a:p>
-            <a:pPr lvl="4" algn="just"/>
-            <a:r>
-              <a:rPr lang="en-IN" sz="1600" i="0" dirty="0">
-                <a:effectLst/>
-                <a:latin typeface="Times New Roman" panose="02020603050405020304" pitchFamily="18" charset="0"/>
-                <a:cs typeface="Times New Roman" panose="02020603050405020304" pitchFamily="18" charset="0"/>
-              </a:rPr>
-              <a:t>&lt;p style="</a:t>
-            </a:r>
-            <a:r>
-              <a:rPr lang="en-IN" sz="1600" i="0" dirty="0" err="1">
-                <a:effectLst/>
-                <a:latin typeface="Times New Roman" panose="02020603050405020304" pitchFamily="18" charset="0"/>
-                <a:cs typeface="Times New Roman" panose="02020603050405020304" pitchFamily="18" charset="0"/>
-              </a:rPr>
-              <a:t>font-weight:lighter</a:t>
-            </a:r>
-            <a:r>
-              <a:rPr lang="en-IN" sz="1600" i="0" dirty="0">
-                <a:effectLst/>
-                <a:latin typeface="Times New Roman" panose="02020603050405020304" pitchFamily="18" charset="0"/>
-                <a:cs typeface="Times New Roman" panose="02020603050405020304" pitchFamily="18" charset="0"/>
-              </a:rPr>
-              <a:t>;"&gt;This font is lighter.&lt;/p&gt;  </a:t>
-            </a:r>
-          </a:p>
-          <a:p>
-            <a:pPr lvl="4" algn="just"/>
-            <a:r>
-              <a:rPr lang="en-IN" sz="1600" i="0" dirty="0">
-                <a:effectLst/>
-                <a:latin typeface="Times New Roman" panose="02020603050405020304" pitchFamily="18" charset="0"/>
-                <a:cs typeface="Times New Roman" panose="02020603050405020304" pitchFamily="18" charset="0"/>
-              </a:rPr>
-              <a:t>&lt;p style="font-weight:100;"&gt;This font is 100 weight.&lt;/p&gt;  </a:t>
-            </a:r>
-          </a:p>
-          <a:p>
-            <a:pPr lvl="4" algn="just"/>
-            <a:r>
-              <a:rPr lang="en-IN" sz="1600" i="0" dirty="0">
-                <a:effectLst/>
-                <a:latin typeface="Times New Roman" panose="02020603050405020304" pitchFamily="18" charset="0"/>
-                <a:cs typeface="Times New Roman" panose="02020603050405020304" pitchFamily="18" charset="0"/>
-              </a:rPr>
-              <a:t>&lt;p style="font-weight:200;"&gt;This font is 200 weight.&lt;/p&gt;  </a:t>
-            </a:r>
-          </a:p>
-          <a:p>
-            <a:pPr lvl="4" algn="just"/>
-            <a:r>
-              <a:rPr lang="en-IN" sz="1600" i="0" dirty="0">
-                <a:effectLst/>
-                <a:latin typeface="Times New Roman" panose="02020603050405020304" pitchFamily="18" charset="0"/>
-                <a:cs typeface="Times New Roman" panose="02020603050405020304" pitchFamily="18" charset="0"/>
-              </a:rPr>
-              <a:t>&lt;/body&gt;  </a:t>
-            </a:r>
-          </a:p>
-          <a:p>
-            <a:pPr lvl="4" algn="just"/>
-            <a:r>
-              <a:rPr lang="en-IN" sz="1600" i="0" dirty="0">
-                <a:effectLst/>
-                <a:latin typeface="Times New Roman" panose="02020603050405020304" pitchFamily="18" charset="0"/>
-                <a:cs typeface="Times New Roman" panose="02020603050405020304" pitchFamily="18" charset="0"/>
-              </a:rPr>
-              <a:t>&lt;/html&gt; </a:t>
-            </a:r>
-          </a:p>
-          <a:p>
-            <a:endParaRPr lang="en-IN" b="0" i="0" u="sng" dirty="0">
-              <a:effectLst/>
-              <a:latin typeface="erdana"/>
-            </a:endParaRPr>
+              <a:rPr lang="en-IN" i="0" dirty="0">
+                <a:effectLst/>
+                <a:latin typeface="Times New Roman" panose="02020603050405020304" pitchFamily="18" charset="0"/>
+                <a:cs typeface="Times New Roman" panose="02020603050405020304" pitchFamily="18" charset="0"/>
+              </a:rPr>
+              <a:t>&lt;/html&gt;</a:t>
+            </a:r>
           </a:p>
           <a:p>
             <a:endParaRPr lang="en-US" b="0" i="0" dirty="0">
@@ -15904,7 +15604,7 @@
     </p:spTree>
     <p:extLst>
       <p:ext uri="{BB962C8B-B14F-4D97-AF65-F5344CB8AC3E}">
-        <p14:creationId xmlns:p14="http://schemas.microsoft.com/office/powerpoint/2010/main" val="1410628246"/>
+        <p14:creationId xmlns:p14="http://schemas.microsoft.com/office/powerpoint/2010/main" val="952159278"/>
       </p:ext>
     </p:extLst>
   </p:cSld>
@@ -15995,6 +15695,447 @@
       </p:grpSpPr>
       <p:sp>
         <p:nvSpPr>
+          <p:cNvPr id="4" name="TextBox 3">
+            <a:extLst>
+              <a:ext uri="{FF2B5EF4-FFF2-40B4-BE49-F238E27FC236}">
+                <a16:creationId xmlns:a16="http://schemas.microsoft.com/office/drawing/2014/main" id="{D07E6AFA-36A3-50C0-F7A0-CFC2AEC3F8A0}"/>
+              </a:ext>
+            </a:extLst>
+          </p:cNvPr>
+          <p:cNvSpPr txBox="1"/>
+          <p:nvPr/>
+        </p:nvSpPr>
+        <p:spPr>
+          <a:xfrm>
+            <a:off x="1606858" y="355107"/>
+            <a:ext cx="10351363" cy="6863417"/>
+          </a:xfrm>
+          <a:prstGeom prst="rect">
+            <a:avLst/>
+          </a:prstGeom>
+          <a:noFill/>
+        </p:spPr>
+        <p:txBody>
+          <a:bodyPr wrap="square" rtlCol="0">
+            <a:spAutoFit/>
+          </a:bodyPr>
+          <a:lstStyle/>
+          <a:p>
+            <a:pPr algn="just"/>
+            <a:r>
+              <a:rPr lang="en-US" b="0" i="0" dirty="0">
+                <a:solidFill>
+                  <a:srgbClr val="000000"/>
+                </a:solidFill>
+                <a:effectLst/>
+                <a:latin typeface="inter-regular"/>
+              </a:rPr>
+              <a:t>5.</a:t>
+            </a:r>
+            <a:r>
+              <a:rPr lang="en-US" b="0" i="0" dirty="0">
+                <a:solidFill>
+                  <a:srgbClr val="333333"/>
+                </a:solidFill>
+                <a:effectLst/>
+                <a:latin typeface="inter-regular"/>
+              </a:rPr>
+              <a:t> </a:t>
+            </a:r>
+            <a:r>
+              <a:rPr lang="en-IN" b="0" i="0" u="sng" dirty="0">
+                <a:effectLst/>
+                <a:latin typeface="erdana"/>
+              </a:rPr>
+              <a:t>CSS Font Variant</a:t>
+            </a:r>
+            <a:endParaRPr lang="en-US" i="0" u="sng" dirty="0">
+              <a:effectLst/>
+              <a:latin typeface="inter-regular"/>
+            </a:endParaRPr>
+          </a:p>
+          <a:p>
+            <a:pPr lvl="3" algn="just"/>
+            <a:r>
+              <a:rPr lang="en-IN" sz="1600" i="0" dirty="0">
+                <a:effectLst/>
+                <a:latin typeface="inter-regular"/>
+              </a:rPr>
+              <a:t>&lt;!DOCTYPE html&gt;  </a:t>
+            </a:r>
+          </a:p>
+          <a:p>
+            <a:pPr lvl="3" algn="just"/>
+            <a:r>
+              <a:rPr lang="en-IN" sz="1600" i="0" dirty="0">
+                <a:effectLst/>
+                <a:latin typeface="inter-regular"/>
+              </a:rPr>
+              <a:t>&lt;html&gt;  </a:t>
+            </a:r>
+          </a:p>
+          <a:p>
+            <a:pPr lvl="3" algn="just"/>
+            <a:r>
+              <a:rPr lang="en-IN" sz="1600" i="0" dirty="0">
+                <a:effectLst/>
+                <a:latin typeface="inter-regular"/>
+              </a:rPr>
+              <a:t>&lt;head&gt;  </a:t>
+            </a:r>
+          </a:p>
+          <a:p>
+            <a:pPr lvl="3" algn="just"/>
+            <a:r>
+              <a:rPr lang="en-IN" sz="1600" i="0" dirty="0">
+                <a:effectLst/>
+                <a:latin typeface="inter-regular"/>
+              </a:rPr>
+              <a:t>&lt;style&gt;  </a:t>
+            </a:r>
+          </a:p>
+          <a:p>
+            <a:pPr lvl="3" algn="just"/>
+            <a:r>
+              <a:rPr lang="en-IN" dirty="0"/>
+              <a:t>p { font-variant: small-caps; }  </a:t>
+            </a:r>
+          </a:p>
+          <a:p>
+            <a:pPr lvl="3" algn="just"/>
+            <a:r>
+              <a:rPr lang="en-IN" sz="1600" i="0" dirty="0">
+                <a:effectLst/>
+                <a:latin typeface="inter-regular"/>
+              </a:rPr>
+              <a:t>h3 { font-variant: normal; }  </a:t>
+            </a:r>
+          </a:p>
+          <a:p>
+            <a:pPr lvl="3" algn="just"/>
+            <a:r>
+              <a:rPr lang="en-IN" sz="1600" i="0" dirty="0">
+                <a:effectLst/>
+                <a:latin typeface="inter-regular"/>
+              </a:rPr>
+              <a:t>&lt;/style&gt;  </a:t>
+            </a:r>
+          </a:p>
+          <a:p>
+            <a:pPr lvl="3" algn="just"/>
+            <a:r>
+              <a:rPr lang="en-IN" sz="1600" i="0" dirty="0">
+                <a:effectLst/>
+                <a:latin typeface="inter-regular"/>
+              </a:rPr>
+              <a:t>&lt;/head&gt;  </a:t>
+            </a:r>
+          </a:p>
+          <a:p>
+            <a:pPr lvl="3" algn="just"/>
+            <a:r>
+              <a:rPr lang="en-IN" sz="1600" i="0" dirty="0">
+                <a:effectLst/>
+                <a:latin typeface="inter-regular"/>
+              </a:rPr>
+              <a:t>&lt;body&gt;  </a:t>
+            </a:r>
+          </a:p>
+          <a:p>
+            <a:pPr lvl="3" algn="just"/>
+            <a:r>
+              <a:rPr lang="en-IN" sz="1600" i="0" dirty="0">
+                <a:effectLst/>
+                <a:latin typeface="inter-regular"/>
+              </a:rPr>
+              <a:t>&lt;h3&gt;This heading is shown in normal font.&lt;/h3&gt;  </a:t>
+            </a:r>
+          </a:p>
+          <a:p>
+            <a:pPr lvl="3" algn="just"/>
+            <a:r>
+              <a:rPr lang="en-IN" sz="1600" i="0" dirty="0">
+                <a:effectLst/>
+                <a:latin typeface="inter-regular"/>
+              </a:rPr>
+              <a:t>&lt;p&gt;This paragraph is shown in small font.&lt;/p&gt;  </a:t>
+            </a:r>
+          </a:p>
+          <a:p>
+            <a:pPr lvl="3" algn="just"/>
+            <a:r>
+              <a:rPr lang="en-IN" sz="1600" i="0" dirty="0">
+                <a:effectLst/>
+                <a:latin typeface="inter-regular"/>
+              </a:rPr>
+              <a:t>&lt;/body&gt;  </a:t>
+            </a:r>
+          </a:p>
+          <a:p>
+            <a:pPr lvl="3" algn="just"/>
+            <a:r>
+              <a:rPr lang="en-IN" sz="1600" i="0" dirty="0">
+                <a:effectLst/>
+                <a:latin typeface="inter-regular"/>
+              </a:rPr>
+              <a:t>&lt;/html&gt; </a:t>
+            </a:r>
+            <a:endParaRPr lang="en-IN" sz="1600" b="0" i="0" dirty="0">
+              <a:solidFill>
+                <a:srgbClr val="000000"/>
+              </a:solidFill>
+              <a:effectLst/>
+              <a:latin typeface="inter-regular"/>
+            </a:endParaRPr>
+          </a:p>
+          <a:p>
+            <a:r>
+              <a:rPr lang="en-IN" u="sng" dirty="0">
+                <a:latin typeface="erdana"/>
+              </a:rPr>
+              <a:t>6</a:t>
+            </a:r>
+            <a:r>
+              <a:rPr lang="en-IN" b="0" i="0" u="sng" dirty="0">
+                <a:effectLst/>
+                <a:latin typeface="erdana"/>
+              </a:rPr>
+              <a:t>. CSS Font Weight</a:t>
+            </a:r>
+          </a:p>
+          <a:p>
+            <a:pPr lvl="4" algn="just"/>
+            <a:r>
+              <a:rPr lang="en-IN" sz="1600" b="0" i="0" dirty="0">
+                <a:solidFill>
+                  <a:srgbClr val="000000"/>
+                </a:solidFill>
+                <a:effectLst/>
+                <a:latin typeface="inter-regular"/>
+              </a:rPr>
+              <a:t>&lt;!DOCTYPE html</a:t>
+            </a:r>
+            <a:r>
+              <a:rPr lang="en-IN" sz="1600" i="0" dirty="0">
+                <a:effectLst/>
+                <a:latin typeface="inter-regular"/>
+              </a:rPr>
+              <a:t>&gt;</a:t>
+            </a:r>
+            <a:r>
+              <a:rPr lang="en-IN" sz="1600" b="0" i="0" dirty="0">
+                <a:effectLst/>
+                <a:latin typeface="inter-regular"/>
+              </a:rPr>
+              <a:t> </a:t>
+            </a:r>
+            <a:r>
+              <a:rPr lang="en-IN" sz="1600" b="0" i="0" dirty="0">
+                <a:solidFill>
+                  <a:srgbClr val="000000"/>
+                </a:solidFill>
+                <a:effectLst/>
+                <a:latin typeface="inter-regular"/>
+              </a:rPr>
+              <a:t> </a:t>
+            </a:r>
+          </a:p>
+          <a:p>
+            <a:pPr lvl="4" algn="just"/>
+            <a:r>
+              <a:rPr lang="en-IN" sz="1600" i="0" dirty="0">
+                <a:effectLst/>
+                <a:latin typeface="Times New Roman" panose="02020603050405020304" pitchFamily="18" charset="0"/>
+                <a:cs typeface="Times New Roman" panose="02020603050405020304" pitchFamily="18" charset="0"/>
+              </a:rPr>
+              <a:t>&lt;html&gt;  </a:t>
+            </a:r>
+          </a:p>
+          <a:p>
+            <a:pPr lvl="4" algn="just"/>
+            <a:r>
+              <a:rPr lang="en-IN" sz="1600" i="0" dirty="0">
+                <a:effectLst/>
+                <a:latin typeface="Times New Roman" panose="02020603050405020304" pitchFamily="18" charset="0"/>
+                <a:cs typeface="Times New Roman" panose="02020603050405020304" pitchFamily="18" charset="0"/>
+              </a:rPr>
+              <a:t>&lt;body&gt;  </a:t>
+            </a:r>
+          </a:p>
+          <a:p>
+            <a:pPr lvl="4" algn="just"/>
+            <a:r>
+              <a:rPr lang="en-IN" sz="1600" i="0" dirty="0">
+                <a:effectLst/>
+                <a:latin typeface="Times New Roman" panose="02020603050405020304" pitchFamily="18" charset="0"/>
+                <a:cs typeface="Times New Roman" panose="02020603050405020304" pitchFamily="18" charset="0"/>
+              </a:rPr>
+              <a:t>&lt;p style="</a:t>
+            </a:r>
+            <a:r>
+              <a:rPr lang="en-IN" sz="1600" i="0" dirty="0" err="1">
+                <a:effectLst/>
+                <a:latin typeface="Times New Roman" panose="02020603050405020304" pitchFamily="18" charset="0"/>
+                <a:cs typeface="Times New Roman" panose="02020603050405020304" pitchFamily="18" charset="0"/>
+              </a:rPr>
+              <a:t>font-weight:bold</a:t>
+            </a:r>
+            <a:r>
+              <a:rPr lang="en-IN" sz="1600" i="0" dirty="0">
+                <a:effectLst/>
+                <a:latin typeface="Times New Roman" panose="02020603050405020304" pitchFamily="18" charset="0"/>
+                <a:cs typeface="Times New Roman" panose="02020603050405020304" pitchFamily="18" charset="0"/>
+              </a:rPr>
+              <a:t>;"&gt;This font is bold.&lt;/p&gt;  </a:t>
+            </a:r>
+          </a:p>
+          <a:p>
+            <a:pPr lvl="4" algn="just"/>
+            <a:r>
+              <a:rPr lang="en-IN" sz="1600" i="0" dirty="0">
+                <a:effectLst/>
+                <a:latin typeface="Times New Roman" panose="02020603050405020304" pitchFamily="18" charset="0"/>
+                <a:cs typeface="Times New Roman" panose="02020603050405020304" pitchFamily="18" charset="0"/>
+              </a:rPr>
+              <a:t>&lt;p style="</a:t>
+            </a:r>
+            <a:r>
+              <a:rPr lang="en-IN" sz="1600" i="0" dirty="0" err="1">
+                <a:effectLst/>
+                <a:latin typeface="Times New Roman" panose="02020603050405020304" pitchFamily="18" charset="0"/>
+                <a:cs typeface="Times New Roman" panose="02020603050405020304" pitchFamily="18" charset="0"/>
+              </a:rPr>
+              <a:t>font-weight:bolder</a:t>
+            </a:r>
+            <a:r>
+              <a:rPr lang="en-IN" sz="1600" i="0" dirty="0">
+                <a:effectLst/>
+                <a:latin typeface="Times New Roman" panose="02020603050405020304" pitchFamily="18" charset="0"/>
+                <a:cs typeface="Times New Roman" panose="02020603050405020304" pitchFamily="18" charset="0"/>
+              </a:rPr>
+              <a:t>;"&gt;This font is bolder.&lt;/p&gt;  </a:t>
+            </a:r>
+          </a:p>
+          <a:p>
+            <a:pPr lvl="4" algn="just"/>
+            <a:r>
+              <a:rPr lang="en-IN" sz="1600" i="0" dirty="0">
+                <a:effectLst/>
+                <a:latin typeface="Times New Roman" panose="02020603050405020304" pitchFamily="18" charset="0"/>
+                <a:cs typeface="Times New Roman" panose="02020603050405020304" pitchFamily="18" charset="0"/>
+              </a:rPr>
+              <a:t>&lt;p style="</a:t>
+            </a:r>
+            <a:r>
+              <a:rPr lang="en-IN" sz="1600" i="0" dirty="0" err="1">
+                <a:effectLst/>
+                <a:latin typeface="Times New Roman" panose="02020603050405020304" pitchFamily="18" charset="0"/>
+                <a:cs typeface="Times New Roman" panose="02020603050405020304" pitchFamily="18" charset="0"/>
+              </a:rPr>
+              <a:t>font-weight:lighter</a:t>
+            </a:r>
+            <a:r>
+              <a:rPr lang="en-IN" sz="1600" i="0" dirty="0">
+                <a:effectLst/>
+                <a:latin typeface="Times New Roman" panose="02020603050405020304" pitchFamily="18" charset="0"/>
+                <a:cs typeface="Times New Roman" panose="02020603050405020304" pitchFamily="18" charset="0"/>
+              </a:rPr>
+              <a:t>;"&gt;This font is lighter.&lt;/p&gt;  </a:t>
+            </a:r>
+          </a:p>
+          <a:p>
+            <a:pPr lvl="4" algn="just"/>
+            <a:r>
+              <a:rPr lang="en-IN" sz="1600" i="0" dirty="0">
+                <a:effectLst/>
+                <a:latin typeface="Times New Roman" panose="02020603050405020304" pitchFamily="18" charset="0"/>
+                <a:cs typeface="Times New Roman" panose="02020603050405020304" pitchFamily="18" charset="0"/>
+              </a:rPr>
+              <a:t>&lt;p style="font-weight:100;"&gt;This font is 100 weight.&lt;/p&gt;  </a:t>
+            </a:r>
+          </a:p>
+          <a:p>
+            <a:pPr lvl="4" algn="just"/>
+            <a:r>
+              <a:rPr lang="en-IN" sz="1600" i="0" dirty="0">
+                <a:effectLst/>
+                <a:latin typeface="Times New Roman" panose="02020603050405020304" pitchFamily="18" charset="0"/>
+                <a:cs typeface="Times New Roman" panose="02020603050405020304" pitchFamily="18" charset="0"/>
+              </a:rPr>
+              <a:t>&lt;p style="font-weight:200;"&gt;This font is 200 weight.&lt;/p&gt;  </a:t>
+            </a:r>
+          </a:p>
+          <a:p>
+            <a:pPr lvl="4" algn="just"/>
+            <a:r>
+              <a:rPr lang="en-IN" sz="1600" i="0" dirty="0">
+                <a:effectLst/>
+                <a:latin typeface="Times New Roman" panose="02020603050405020304" pitchFamily="18" charset="0"/>
+                <a:cs typeface="Times New Roman" panose="02020603050405020304" pitchFamily="18" charset="0"/>
+              </a:rPr>
+              <a:t>&lt;/body&gt;  </a:t>
+            </a:r>
+          </a:p>
+          <a:p>
+            <a:pPr lvl="4" algn="just"/>
+            <a:r>
+              <a:rPr lang="en-IN" sz="1600" i="0" dirty="0">
+                <a:effectLst/>
+                <a:latin typeface="Times New Roman" panose="02020603050405020304" pitchFamily="18" charset="0"/>
+                <a:cs typeface="Times New Roman" panose="02020603050405020304" pitchFamily="18" charset="0"/>
+              </a:rPr>
+              <a:t>&lt;/html&gt; </a:t>
+            </a:r>
+          </a:p>
+          <a:p>
+            <a:endParaRPr lang="en-IN" b="0" i="0" u="sng" dirty="0">
+              <a:effectLst/>
+              <a:latin typeface="erdana"/>
+            </a:endParaRPr>
+          </a:p>
+          <a:p>
+            <a:endParaRPr lang="en-US" b="0" i="0" dirty="0">
+              <a:solidFill>
+                <a:srgbClr val="000000"/>
+              </a:solidFill>
+              <a:effectLst/>
+              <a:latin typeface="inter-regular"/>
+            </a:endParaRPr>
+          </a:p>
+        </p:txBody>
+      </p:sp>
+    </p:spTree>
+    <p:extLst>
+      <p:ext uri="{BB962C8B-B14F-4D97-AF65-F5344CB8AC3E}">
+        <p14:creationId xmlns:p14="http://schemas.microsoft.com/office/powerpoint/2010/main" val="1410628246"/>
+      </p:ext>
+    </p:extLst>
+  </p:cSld>
+  <p:clrMapOvr>
+    <a:masterClrMapping/>
+  </p:clrMapOvr>
+</p:sld>
+</file>
+
+<file path=ppt/slides/slide41.xml><?xml version="1.0" encoding="utf-8"?>
+<p:sld xmlns:a="http://schemas.openxmlformats.org/drawingml/2006/main" xmlns:r="http://schemas.openxmlformats.org/officeDocument/2006/relationships" xmlns:p="http://schemas.openxmlformats.org/presentationml/2006/main">
+  <p:cSld>
+    <p:spTree>
+      <p:nvGrpSpPr>
+        <p:cNvPr id="1" name=""/>
+        <p:cNvGrpSpPr/>
+        <p:nvPr/>
+      </p:nvGrpSpPr>
+      <p:grpSpPr>
+        <a:xfrm>
+          <a:off x="0" y="0"/>
+          <a:ext cx="0" cy="0"/>
+          <a:chOff x="0" y="0"/>
+          <a:chExt cx="0" cy="0"/>
+        </a:xfrm>
+      </p:grpSpPr>
+      <p:sp>
+        <p:nvSpPr>
           <p:cNvPr id="2" name="TextBox 1">
             <a:extLst>
               <a:ext uri="{FF2B5EF4-FFF2-40B4-BE49-F238E27FC236}">
@@ -16630,7 +16771,7 @@
 </p:sld>
 </file>
 
-<file path=ppt/slides/slide41.xml><?xml version="1.0" encoding="utf-8"?>
+<file path=ppt/slides/slide42.xml><?xml version="1.0" encoding="utf-8"?>
 <p:sld xmlns:a="http://schemas.openxmlformats.org/drawingml/2006/main" xmlns:r="http://schemas.openxmlformats.org/officeDocument/2006/relationships" xmlns:p="http://schemas.openxmlformats.org/presentationml/2006/main">
   <p:cSld>
     <p:spTree>
@@ -16941,7 +17082,7 @@
 </p:sld>
 </file>
 
-<file path=ppt/slides/slide42.xml><?xml version="1.0" encoding="utf-8"?>
+<file path=ppt/slides/slide43.xml><?xml version="1.0" encoding="utf-8"?>
 <p:sld xmlns:a="http://schemas.openxmlformats.org/drawingml/2006/main" xmlns:r="http://schemas.openxmlformats.org/officeDocument/2006/relationships" xmlns:p="http://schemas.openxmlformats.org/presentationml/2006/main">
   <p:cSld>
     <p:spTree>
